--- a/course_builder.pptx
+++ b/course_builder.pptx
@@ -1144,11 +1144,7 @@
         <a:p>
           <a:r>
             <a:rPr lang="en-US" dirty="0" smtClean="0"/>
-            <a:t>Obtain a </a:t>
-          </a:r>
-          <a:r>
-            <a:rPr lang="en-US" dirty="0" smtClean="0"/>
-            <a:t>full-content course instance</a:t>
+            <a:t>Obtain a full-content course instance</a:t>
           </a:r>
           <a:endParaRPr lang="en-US" dirty="0"/>
         </a:p>
@@ -1321,10 +1317,24 @@
     <dgm:pt modelId="{7316BC09-449A-4938-9F89-94E6042B0CC7}" type="pres">
       <dgm:prSet presAssocID="{F41C6064-382A-48C6-B438-E4E59E6E3D84}" presName="sibTrans" presStyleLbl="sibTrans2D1" presStyleIdx="1" presStyleCnt="7"/>
       <dgm:spPr/>
+      <dgm:t>
+        <a:bodyPr/>
+        <a:lstStyle/>
+        <a:p>
+          <a:endParaRPr lang="en-US"/>
+        </a:p>
+      </dgm:t>
     </dgm:pt>
     <dgm:pt modelId="{EC9027F5-095B-4A32-8A0D-28FE7688D689}" type="pres">
       <dgm:prSet presAssocID="{F41C6064-382A-48C6-B438-E4E59E6E3D84}" presName="connectorText" presStyleLbl="sibTrans2D1" presStyleIdx="1" presStyleCnt="7"/>
       <dgm:spPr/>
+      <dgm:t>
+        <a:bodyPr/>
+        <a:lstStyle/>
+        <a:p>
+          <a:endParaRPr lang="en-US"/>
+        </a:p>
+      </dgm:t>
     </dgm:pt>
     <dgm:pt modelId="{5CFE756C-1273-4794-B0B7-6685C4F14472}" type="pres">
       <dgm:prSet presAssocID="{8C08A9C0-9656-4896-A1FD-BDAAC294D74F}" presName="node" presStyleLbl="node1" presStyleIdx="2" presStyleCnt="8">
@@ -1455,10 +1465,24 @@
     <dgm:pt modelId="{EEB75FB7-187F-41D6-A28C-819457F7F8DE}" type="pres">
       <dgm:prSet presAssocID="{8C3E17B3-61E1-4FCB-B5C4-8FE9152470E3}" presName="sibTrans" presStyleLbl="sibTrans2D1" presStyleIdx="5" presStyleCnt="7"/>
       <dgm:spPr/>
+      <dgm:t>
+        <a:bodyPr/>
+        <a:lstStyle/>
+        <a:p>
+          <a:endParaRPr lang="en-US"/>
+        </a:p>
+      </dgm:t>
     </dgm:pt>
     <dgm:pt modelId="{5BC68AAE-31E8-4236-A9D7-386FF59B43B1}" type="pres">
       <dgm:prSet presAssocID="{8C3E17B3-61E1-4FCB-B5C4-8FE9152470E3}" presName="connectorText" presStyleLbl="sibTrans2D1" presStyleIdx="5" presStyleCnt="7"/>
       <dgm:spPr/>
+      <dgm:t>
+        <a:bodyPr/>
+        <a:lstStyle/>
+        <a:p>
+          <a:endParaRPr lang="en-US"/>
+        </a:p>
+      </dgm:t>
     </dgm:pt>
     <dgm:pt modelId="{696E5419-A878-4916-B5B7-59F5256EB9EB}" type="pres">
       <dgm:prSet presAssocID="{16528798-8300-41F3-8295-9BC576A7BD54}" presName="node" presStyleLbl="node1" presStyleIdx="6" presStyleCnt="8">
@@ -1523,8 +1547,8 @@
     <dgm:cxn modelId="{A9C7D7FE-EEF1-4925-82B3-BCE2979792DA}" type="presOf" srcId="{0D3BEF20-7B46-413E-B049-6018ECB932FA}" destId="{7AA31A21-E7F4-4287-ADD5-C985CE083491}" srcOrd="1" destOrd="0" presId="urn:microsoft.com/office/officeart/2005/8/layout/process5"/>
     <dgm:cxn modelId="{CB172DE5-5123-42D3-9DF9-BB80D8B38DB8}" type="presOf" srcId="{16528798-8300-41F3-8295-9BC576A7BD54}" destId="{696E5419-A878-4916-B5B7-59F5256EB9EB}" srcOrd="0" destOrd="0" presId="urn:microsoft.com/office/officeart/2005/8/layout/process5"/>
     <dgm:cxn modelId="{229B6B9D-F6DC-4B33-ADAB-AB34F986EC03}" srcId="{D699EF8D-F75A-4790-AE3A-D435F5A51C2B}" destId="{16528798-8300-41F3-8295-9BC576A7BD54}" srcOrd="6" destOrd="0" parTransId="{F57FA03A-E13C-47AF-A210-BCC1E26D33D0}" sibTransId="{BBD20EA4-C03D-4A11-BFDA-517DA392191E}"/>
+    <dgm:cxn modelId="{905469FE-ECC5-4C7E-8DB3-5BD6E32DF35C}" srcId="{D699EF8D-F75A-4790-AE3A-D435F5A51C2B}" destId="{387B18DB-0F10-4A6A-B644-6C7C44FB4EE0}" srcOrd="5" destOrd="0" parTransId="{3FA5E151-E715-4090-B237-15E59B341529}" sibTransId="{8C3E17B3-61E1-4FCB-B5C4-8FE9152470E3}"/>
     <dgm:cxn modelId="{054927FD-E822-439C-BA9F-0FC25F598BAB}" type="presOf" srcId="{F41C6064-382A-48C6-B438-E4E59E6E3D84}" destId="{EC9027F5-095B-4A32-8A0D-28FE7688D689}" srcOrd="1" destOrd="0" presId="urn:microsoft.com/office/officeart/2005/8/layout/process5"/>
-    <dgm:cxn modelId="{905469FE-ECC5-4C7E-8DB3-5BD6E32DF35C}" srcId="{D699EF8D-F75A-4790-AE3A-D435F5A51C2B}" destId="{387B18DB-0F10-4A6A-B644-6C7C44FB4EE0}" srcOrd="5" destOrd="0" parTransId="{3FA5E151-E715-4090-B237-15E59B341529}" sibTransId="{8C3E17B3-61E1-4FCB-B5C4-8FE9152470E3}"/>
     <dgm:cxn modelId="{338625BB-830B-4131-9F90-B383E1DEF3CC}" type="presOf" srcId="{D699EF8D-F75A-4790-AE3A-D435F5A51C2B}" destId="{6B7ED168-D438-4621-BFF6-D632C103F341}" srcOrd="0" destOrd="0" presId="urn:microsoft.com/office/officeart/2005/8/layout/process5"/>
     <dgm:cxn modelId="{41F64977-585B-469E-942F-183EBCC0C669}" type="presOf" srcId="{8C08A9C0-9656-4896-A1FD-BDAAC294D74F}" destId="{5CFE756C-1273-4794-B0B7-6685C4F14472}" srcOrd="0" destOrd="0" presId="urn:microsoft.com/office/officeart/2005/8/layout/process5"/>
     <dgm:cxn modelId="{CF1AB998-3901-461B-AA66-20EE0150400A}" type="presOf" srcId="{48EFE8A3-D3D3-460B-A4D1-940F812D82E6}" destId="{3A74E5F9-30C6-4E34-8F5D-E71DE7578A37}" srcOrd="1" destOrd="0" presId="urn:microsoft.com/office/officeart/2005/8/layout/process5"/>
@@ -1543,8 +1567,8 @@
     <dgm:cxn modelId="{EEFCDFBF-4FA0-47A1-834A-22ECECE5ED3A}" srcId="{D699EF8D-F75A-4790-AE3A-D435F5A51C2B}" destId="{68B7A751-7926-4638-BFE7-FB3657DE316B}" srcOrd="1" destOrd="0" parTransId="{CB313DE0-CE64-4772-BE2C-29350684B1DD}" sibTransId="{F41C6064-382A-48C6-B438-E4E59E6E3D84}"/>
     <dgm:cxn modelId="{DC2CB076-3D80-4467-A1DA-1B09F2BB80F3}" type="presOf" srcId="{8C3E17B3-61E1-4FCB-B5C4-8FE9152470E3}" destId="{5BC68AAE-31E8-4236-A9D7-386FF59B43B1}" srcOrd="1" destOrd="0" presId="urn:microsoft.com/office/officeart/2005/8/layout/process5"/>
     <dgm:cxn modelId="{E1E6A7E6-DEB3-4ADB-BA90-AEB872214C74}" type="presOf" srcId="{448F561B-2A8A-4624-919F-E20C1F2A008E}" destId="{D5531DDF-C2A2-4E5C-B7A4-E4CE6FF4C4C7}" srcOrd="0" destOrd="0" presId="urn:microsoft.com/office/officeart/2005/8/layout/process5"/>
+    <dgm:cxn modelId="{CA8E8CDD-4323-4731-8EE0-9B3518BB2601}" type="presOf" srcId="{F41C6064-382A-48C6-B438-E4E59E6E3D84}" destId="{7316BC09-449A-4938-9F89-94E6042B0CC7}" srcOrd="0" destOrd="0" presId="urn:microsoft.com/office/officeart/2005/8/layout/process5"/>
     <dgm:cxn modelId="{AC3D58B4-B532-4D2E-8973-040844A54D26}" type="presOf" srcId="{48EFE8A3-D3D3-460B-A4D1-940F812D82E6}" destId="{8B2668C8-33C4-4DAE-8B06-874B3F0BAD49}" srcOrd="0" destOrd="0" presId="urn:microsoft.com/office/officeart/2005/8/layout/process5"/>
-    <dgm:cxn modelId="{CA8E8CDD-4323-4731-8EE0-9B3518BB2601}" type="presOf" srcId="{F41C6064-382A-48C6-B438-E4E59E6E3D84}" destId="{7316BC09-449A-4938-9F89-94E6042B0CC7}" srcOrd="0" destOrd="0" presId="urn:microsoft.com/office/officeart/2005/8/layout/process5"/>
     <dgm:cxn modelId="{5EB93A98-D4AB-49A2-8D3C-690A179FE668}" type="presParOf" srcId="{6B7ED168-D438-4621-BFF6-D632C103F341}" destId="{E57A5187-2EEF-448B-BD6D-944466871EE3}" srcOrd="0" destOrd="0" presId="urn:microsoft.com/office/officeart/2005/8/layout/process5"/>
     <dgm:cxn modelId="{75565D92-556B-4DA8-BE1F-5948F75007B0}" type="presParOf" srcId="{6B7ED168-D438-4621-BFF6-D632C103F341}" destId="{8B2668C8-33C4-4DAE-8B06-874B3F0BAD49}" srcOrd="1" destOrd="0" presId="urn:microsoft.com/office/officeart/2005/8/layout/process5"/>
     <dgm:cxn modelId="{B0C4A2A7-AC2A-42CA-A2C1-0457379C55B9}" type="presParOf" srcId="{8B2668C8-33C4-4DAE-8B06-874B3F0BAD49}" destId="{3A74E5F9-30C6-4E34-8F5D-E71DE7578A37}" srcOrd="0" destOrd="0" presId="urn:microsoft.com/office/officeart/2005/8/layout/process5"/>
@@ -3126,11 +3150,7 @@
           </a:pPr>
           <a:r>
             <a:rPr lang="en-US" sz="1600" kern="1200" dirty="0" smtClean="0"/>
-            <a:t>Obtain a </a:t>
-          </a:r>
-          <a:r>
-            <a:rPr lang="en-US" sz="1600" kern="1200" dirty="0" smtClean="0"/>
-            <a:t>full-content course instance</a:t>
+            <a:t>Obtain a full-content course instance</a:t>
           </a:r>
           <a:endParaRPr lang="en-US" sz="1600" kern="1200" dirty="0"/>
         </a:p>
@@ -7632,19 +7652,17 @@
         </p:spPr>
         <p:txBody>
           <a:bodyPr>
-            <a:normAutofit fontScale="92500" lnSpcReduction="10000"/>
+            <a:normAutofit/>
           </a:bodyPr>
           <a:lstStyle/>
           <a:p>
             <a:r>
+              <a:rPr lang="en-US" smtClean="0"/>
+              <a:t>TA </a:t>
+            </a:r>
+            <a:r>
               <a:rPr lang="en-US" dirty="0" smtClean="0"/>
-              <a:t>Nopphon Keerativoranan </a:t>
-            </a:r>
-          </a:p>
-          <a:p>
-            <a:r>
-              <a:rPr lang="en-US" dirty="0" smtClean="0"/>
-              <a:t>TA at</a:t>
+              <a:t>at</a:t>
             </a:r>
           </a:p>
           <a:p>
@@ -9680,11 +9698,7 @@
           <a:p>
             <a:r>
               <a:rPr lang="en-US" sz="3600" dirty="0" smtClean="0"/>
-              <a:t>Definition </a:t>
-            </a:r>
-            <a:r>
-              <a:rPr lang="en-US" sz="3600" dirty="0" smtClean="0"/>
-              <a:t>of materials and outline </a:t>
+              <a:t>Definition of materials and outline </a:t>
             </a:r>
           </a:p>
           <a:p>
@@ -15935,8 +15949,8 @@
         </p:nvSpPr>
         <p:spPr>
           <a:xfrm>
-            <a:off x="4587649" y="1571185"/>
-            <a:ext cx="1528479" cy="646331"/>
+            <a:off x="4392399" y="1573400"/>
+            <a:ext cx="2176944" cy="646331"/>
           </a:xfrm>
           <a:prstGeom prst="rect">
             <a:avLst/>
@@ -15958,7 +15972,20 @@
                   </a:schemeClr>
                 </a:solidFill>
               </a:rPr>
-              <a:t>Download empty course</a:t>
+              <a:t>Download </a:t>
+            </a:r>
+          </a:p>
+          <a:p>
+            <a:pPr algn="ctr"/>
+            <a:r>
+              <a:rPr lang="en-US" b="1" dirty="0" smtClean="0">
+                <a:solidFill>
+                  <a:schemeClr val="accent1">
+                    <a:lumMod val="50000"/>
+                  </a:schemeClr>
+                </a:solidFill>
+              </a:rPr>
+              <a:t>no-content course</a:t>
             </a:r>
             <a:endParaRPr lang="en-US" b="1" dirty="0">
               <a:solidFill>
@@ -15994,10 +16021,13 @@
           <a:p>
             <a:pPr algn="ctr"/>
             <a:r>
+              <a:rPr lang="en-US" sz="2000" b="1" dirty="0" smtClean="0"/>
+              <a:t>exported </a:t>
+            </a:r>
+            <a:r>
               <a:rPr lang="en-US" sz="2000" b="1" dirty="0"/>
-              <a:t>Imported course</a:t>
-            </a:r>
-            <a:endParaRPr lang="en-US" sz="2000" b="1" dirty="0"/>
+              <a:t>course</a:t>
+            </a:r>
           </a:p>
         </p:txBody>
       </p:sp>
@@ -16250,21 +16280,8 @@
           <a:p>
             <a:r>
               <a:rPr lang="en-US" dirty="0" smtClean="0"/>
-              <a:t>The tool’s </a:t>
-            </a:r>
-            <a:r>
-              <a:rPr lang="en-US" dirty="0" smtClean="0"/>
-              <a:t>workspace </a:t>
-            </a:r>
-            <a:r>
-              <a:rPr lang="en-US" dirty="0" smtClean="0"/>
-              <a:t>is available on </a:t>
-            </a:r>
-            <a:r>
-              <a:rPr lang="en-US" dirty="0" smtClean="0"/>
-              <a:t>GitHub</a:t>
-            </a:r>
-            <a:endParaRPr lang="en-US" dirty="0" smtClean="0"/>
+              <a:t>The tool’s workspace is available on GitHub</a:t>
+            </a:r>
           </a:p>
           <a:p>
             <a:r>

--- a/course_builder.pptx
+++ b/course_builder.pptx
@@ -5,7 +5,7 @@
     <p:sldMasterId id="2147483660" r:id="rId1"/>
   </p:sldMasterIdLst>
   <p:notesMasterIdLst>
-    <p:notesMasterId r:id="rId42"/>
+    <p:notesMasterId r:id="rId43"/>
   </p:notesMasterIdLst>
   <p:sldIdLst>
     <p:sldId id="256" r:id="rId2"/>
@@ -29,25 +29,26 @@
     <p:sldId id="291" r:id="rId20"/>
     <p:sldId id="292" r:id="rId21"/>
     <p:sldId id="293" r:id="rId22"/>
-    <p:sldId id="295" r:id="rId23"/>
-    <p:sldId id="313" r:id="rId24"/>
-    <p:sldId id="302" r:id="rId25"/>
-    <p:sldId id="296" r:id="rId26"/>
-    <p:sldId id="297" r:id="rId27"/>
-    <p:sldId id="298" r:id="rId28"/>
-    <p:sldId id="300" r:id="rId29"/>
-    <p:sldId id="299" r:id="rId30"/>
-    <p:sldId id="301" r:id="rId31"/>
-    <p:sldId id="304" r:id="rId32"/>
-    <p:sldId id="306" r:id="rId33"/>
-    <p:sldId id="307" r:id="rId34"/>
-    <p:sldId id="308" r:id="rId35"/>
-    <p:sldId id="309" r:id="rId36"/>
-    <p:sldId id="311" r:id="rId37"/>
-    <p:sldId id="310" r:id="rId38"/>
-    <p:sldId id="312" r:id="rId39"/>
-    <p:sldId id="315" r:id="rId40"/>
-    <p:sldId id="314" r:id="rId41"/>
+    <p:sldId id="320" r:id="rId23"/>
+    <p:sldId id="295" r:id="rId24"/>
+    <p:sldId id="313" r:id="rId25"/>
+    <p:sldId id="302" r:id="rId26"/>
+    <p:sldId id="296" r:id="rId27"/>
+    <p:sldId id="297" r:id="rId28"/>
+    <p:sldId id="298" r:id="rId29"/>
+    <p:sldId id="300" r:id="rId30"/>
+    <p:sldId id="299" r:id="rId31"/>
+    <p:sldId id="301" r:id="rId32"/>
+    <p:sldId id="304" r:id="rId33"/>
+    <p:sldId id="306" r:id="rId34"/>
+    <p:sldId id="307" r:id="rId35"/>
+    <p:sldId id="308" r:id="rId36"/>
+    <p:sldId id="309" r:id="rId37"/>
+    <p:sldId id="311" r:id="rId38"/>
+    <p:sldId id="310" r:id="rId39"/>
+    <p:sldId id="312" r:id="rId40"/>
+    <p:sldId id="315" r:id="rId41"/>
+    <p:sldId id="314" r:id="rId42"/>
   </p:sldIdLst>
   <p:sldSz cx="9144000" cy="6858000" type="screen4x3"/>
   <p:notesSz cx="6858000" cy="9144000"/>
@@ -10340,6 +10341,152 @@
           <a:bodyPr/>
           <a:lstStyle/>
           <a:p>
+            <a:r>
+              <a:rPr lang="en-US" dirty="0"/>
+              <a:t>Assessment material preparation</a:t>
+            </a:r>
+          </a:p>
+        </p:txBody>
+      </p:sp>
+      <p:sp>
+        <p:nvSpPr>
+          <p:cNvPr id="3" name="Content Placeholder 2"/>
+          <p:cNvSpPr>
+            <a:spLocks noGrp="1"/>
+          </p:cNvSpPr>
+          <p:nvPr>
+            <p:ph idx="1"/>
+          </p:nvPr>
+        </p:nvSpPr>
+        <p:spPr/>
+        <p:txBody>
+          <a:bodyPr/>
+          <a:lstStyle/>
+          <a:p>
+            <a:r>
+              <a:rPr lang="en-US" dirty="0" err="1" smtClean="0"/>
+              <a:t>Grade_weight</a:t>
+            </a:r>
+            <a:r>
+              <a:rPr lang="en-US" dirty="0" smtClean="0"/>
+              <a:t> : </a:t>
+            </a:r>
+            <a:r>
+              <a:rPr lang="en-US" dirty="0"/>
+              <a:t>the number of points each problem is worth</a:t>
+            </a:r>
+            <a:endParaRPr lang="en-US" dirty="0" smtClean="0"/>
+          </a:p>
+          <a:p>
+            <a:r>
+              <a:rPr lang="en-US" dirty="0" err="1" smtClean="0"/>
+              <a:t>Max_attempts</a:t>
+            </a:r>
+            <a:r>
+              <a:rPr lang="en-US" dirty="0" smtClean="0"/>
+              <a:t> : </a:t>
+            </a:r>
+            <a:r>
+              <a:rPr lang="en-US" dirty="0">
+                <a:solidFill>
+                  <a:srgbClr val="333333"/>
+                </a:solidFill>
+                <a:latin typeface="Open Sans"/>
+              </a:rPr>
+              <a:t> number of times a student can try to </a:t>
+            </a:r>
+            <a:r>
+              <a:rPr lang="en-US" dirty="0" smtClean="0">
+                <a:solidFill>
+                  <a:srgbClr val="333333"/>
+                </a:solidFill>
+                <a:latin typeface="Open Sans"/>
+              </a:rPr>
+              <a:t>answer</a:t>
+            </a:r>
+          </a:p>
+          <a:p>
+            <a:endParaRPr lang="en-US" dirty="0">
+              <a:solidFill>
+                <a:srgbClr val="333333"/>
+              </a:solidFill>
+              <a:latin typeface="Open Sans"/>
+            </a:endParaRPr>
+          </a:p>
+          <a:p>
+            <a:pPr marL="0" indent="0">
+              <a:buNone/>
+            </a:pPr>
+            <a:r>
+              <a:rPr lang="en-US" dirty="0" smtClean="0">
+                <a:solidFill>
+                  <a:srgbClr val="333333"/>
+                </a:solidFill>
+                <a:latin typeface="Open Sans"/>
+              </a:rPr>
+              <a:t>Source: Problem component setting in </a:t>
+            </a:r>
+            <a:r>
+              <a:rPr lang="en-US" dirty="0" err="1" smtClean="0">
+                <a:solidFill>
+                  <a:srgbClr val="333333"/>
+                </a:solidFill>
+                <a:latin typeface="Open Sans"/>
+              </a:rPr>
+              <a:t>edx.studio</a:t>
+            </a:r>
+            <a:endParaRPr lang="en-US" dirty="0"/>
+          </a:p>
+          <a:p>
+            <a:endParaRPr lang="en-US" dirty="0"/>
+          </a:p>
+        </p:txBody>
+      </p:sp>
+    </p:spTree>
+    <p:extLst>
+      <p:ext uri="{BB962C8B-B14F-4D97-AF65-F5344CB8AC3E}">
+        <p14:creationId xmlns:p14="http://schemas.microsoft.com/office/powerpoint/2010/main" val="1182868806"/>
+      </p:ext>
+    </p:extLst>
+  </p:cSld>
+  <p:clrMapOvr>
+    <a:masterClrMapping/>
+  </p:clrMapOvr>
+</p:sld>
+</file>
+
+<file path=ppt/slides/slide23.xml><?xml version="1.0" encoding="utf-8"?>
+<p:sld xmlns:a="http://schemas.openxmlformats.org/drawingml/2006/main" xmlns:r="http://schemas.openxmlformats.org/officeDocument/2006/relationships" xmlns:p="http://schemas.openxmlformats.org/presentationml/2006/main">
+  <p:cSld>
+    <p:spTree>
+      <p:nvGrpSpPr>
+        <p:cNvPr id="1" name=""/>
+        <p:cNvGrpSpPr/>
+        <p:nvPr/>
+      </p:nvGrpSpPr>
+      <p:grpSpPr>
+        <a:xfrm>
+          <a:off x="0" y="0"/>
+          <a:ext cx="0" cy="0"/>
+          <a:chOff x="0" y="0"/>
+          <a:chExt cx="0" cy="0"/>
+        </a:xfrm>
+      </p:grpSpPr>
+      <p:sp>
+        <p:nvSpPr>
+          <p:cNvPr id="2" name="Title 1"/>
+          <p:cNvSpPr>
+            <a:spLocks noGrp="1"/>
+          </p:cNvSpPr>
+          <p:nvPr>
+            <p:ph type="title"/>
+          </p:nvPr>
+        </p:nvSpPr>
+        <p:spPr/>
+        <p:txBody>
+          <a:bodyPr/>
+          <a:lstStyle/>
+          <a:p>
             <a:endParaRPr lang="en-US"/>
           </a:p>
         </p:txBody>
@@ -10404,7 +10551,7 @@
 </p:sld>
 </file>
 
-<file path=ppt/slides/slide23.xml><?xml version="1.0" encoding="utf-8"?>
+<file path=ppt/slides/slide24.xml><?xml version="1.0" encoding="utf-8"?>
 <p:sld xmlns:a="http://schemas.openxmlformats.org/drawingml/2006/main" xmlns:r="http://schemas.openxmlformats.org/officeDocument/2006/relationships" xmlns:p="http://schemas.openxmlformats.org/presentationml/2006/main">
   <p:cSld>
     <p:spTree>
@@ -10637,7 +10784,7 @@
 </p:sld>
 </file>
 
-<file path=ppt/slides/slide24.xml><?xml version="1.0" encoding="utf-8"?>
+<file path=ppt/slides/slide25.xml><?xml version="1.0" encoding="utf-8"?>
 <p:sld xmlns:a="http://schemas.openxmlformats.org/drawingml/2006/main" xmlns:r="http://schemas.openxmlformats.org/officeDocument/2006/relationships" xmlns:p="http://schemas.openxmlformats.org/presentationml/2006/main">
   <p:cSld>
     <p:spTree>
@@ -11297,450 +11444,6 @@
     <p:extLst>
       <p:ext uri="{BB962C8B-B14F-4D97-AF65-F5344CB8AC3E}">
         <p14:creationId xmlns:p14="http://schemas.microsoft.com/office/powerpoint/2010/main" val="2836288738"/>
-      </p:ext>
-    </p:extLst>
-  </p:cSld>
-  <p:clrMapOvr>
-    <a:masterClrMapping/>
-  </p:clrMapOvr>
-  <p:timing>
-    <p:tnLst>
-      <p:par>
-        <p:cTn id="1" dur="indefinite" restart="never" nodeType="tmRoot"/>
-      </p:par>
-    </p:tnLst>
-  </p:timing>
-</p:sld>
-</file>
-
-<file path=ppt/slides/slide25.xml><?xml version="1.0" encoding="utf-8"?>
-<p:sld xmlns:a="http://schemas.openxmlformats.org/drawingml/2006/main" xmlns:r="http://schemas.openxmlformats.org/officeDocument/2006/relationships" xmlns:p="http://schemas.openxmlformats.org/presentationml/2006/main">
-  <p:cSld>
-    <p:spTree>
-      <p:nvGrpSpPr>
-        <p:cNvPr id="1" name=""/>
-        <p:cNvGrpSpPr/>
-        <p:nvPr/>
-      </p:nvGrpSpPr>
-      <p:grpSpPr>
-        <a:xfrm>
-          <a:off x="0" y="0"/>
-          <a:ext cx="0" cy="0"/>
-          <a:chOff x="0" y="0"/>
-          <a:chExt cx="0" cy="0"/>
-        </a:xfrm>
-      </p:grpSpPr>
-      <p:sp>
-        <p:nvSpPr>
-          <p:cNvPr id="2" name="Title 1"/>
-          <p:cNvSpPr>
-            <a:spLocks noGrp="1"/>
-          </p:cNvSpPr>
-          <p:nvPr>
-            <p:ph type="title"/>
-          </p:nvPr>
-        </p:nvSpPr>
-        <p:spPr/>
-        <p:txBody>
-          <a:bodyPr/>
-          <a:lstStyle/>
-          <a:p>
-            <a:r>
-              <a:rPr lang="en-US" dirty="0" smtClean="0"/>
-              <a:t>Course_info.xlsm</a:t>
-            </a:r>
-            <a:endParaRPr lang="en-US" dirty="0"/>
-          </a:p>
-        </p:txBody>
-      </p:sp>
-      <p:sp>
-        <p:nvSpPr>
-          <p:cNvPr id="3" name="Content Placeholder 2"/>
-          <p:cNvSpPr>
-            <a:spLocks noGrp="1"/>
-          </p:cNvSpPr>
-          <p:nvPr>
-            <p:ph idx="1"/>
-          </p:nvPr>
-        </p:nvSpPr>
-        <p:spPr/>
-        <p:txBody>
-          <a:bodyPr/>
-          <a:lstStyle/>
-          <a:p>
-            <a:r>
-              <a:rPr lang="en-US" dirty="0" smtClean="0"/>
-              <a:t>Sheets</a:t>
-            </a:r>
-          </a:p>
-          <a:p>
-            <a:pPr lvl="1"/>
-            <a:r>
-              <a:rPr lang="en-US" dirty="0" err="1"/>
-              <a:t>c</a:t>
-            </a:r>
-            <a:r>
-              <a:rPr lang="en-US" dirty="0" err="1" smtClean="0"/>
-              <a:t>oursestructure</a:t>
-            </a:r>
-            <a:endParaRPr lang="en-US" dirty="0" smtClean="0"/>
-          </a:p>
-          <a:p>
-            <a:pPr lvl="1"/>
-            <a:r>
-              <a:rPr lang="en-US" dirty="0" smtClean="0"/>
-              <a:t>text</a:t>
-            </a:r>
-            <a:endParaRPr lang="en-US" dirty="0"/>
-          </a:p>
-          <a:p>
-            <a:pPr lvl="1"/>
-            <a:r>
-              <a:rPr lang="en-US" dirty="0" smtClean="0"/>
-              <a:t>video</a:t>
-            </a:r>
-            <a:endParaRPr lang="en-US" dirty="0"/>
-          </a:p>
-          <a:p>
-            <a:pPr lvl="1"/>
-            <a:r>
-              <a:rPr lang="en-US" dirty="0" smtClean="0"/>
-              <a:t>problem</a:t>
-            </a:r>
-          </a:p>
-          <a:p>
-            <a:pPr lvl="1"/>
-            <a:r>
-              <a:rPr lang="en-US" dirty="0" err="1" smtClean="0">
-                <a:solidFill>
-                  <a:schemeClr val="bg1">
-                    <a:lumMod val="65000"/>
-                  </a:schemeClr>
-                </a:solidFill>
-              </a:rPr>
-              <a:t>upload_list</a:t>
-            </a:r>
-            <a:endParaRPr lang="en-US" dirty="0" smtClean="0">
-              <a:solidFill>
-                <a:schemeClr val="bg1">
-                  <a:lumMod val="65000"/>
-                </a:schemeClr>
-              </a:solidFill>
-            </a:endParaRPr>
-          </a:p>
-          <a:p>
-            <a:pPr lvl="1"/>
-            <a:r>
-              <a:rPr lang="en-US" dirty="0" err="1" smtClean="0">
-                <a:solidFill>
-                  <a:schemeClr val="bg1">
-                    <a:lumMod val="65000"/>
-                  </a:schemeClr>
-                </a:solidFill>
-              </a:rPr>
-              <a:t>caption_list</a:t>
-            </a:r>
-            <a:endParaRPr lang="en-US" dirty="0" smtClean="0">
-              <a:solidFill>
-                <a:schemeClr val="bg1">
-                  <a:lumMod val="65000"/>
-                </a:schemeClr>
-              </a:solidFill>
-            </a:endParaRPr>
-          </a:p>
-          <a:p>
-            <a:pPr lvl="1"/>
-            <a:r>
-              <a:rPr lang="en-US" dirty="0" err="1">
-                <a:solidFill>
-                  <a:schemeClr val="bg1">
-                    <a:lumMod val="65000"/>
-                  </a:schemeClr>
-                </a:solidFill>
-              </a:rPr>
-              <a:t>t</a:t>
-            </a:r>
-            <a:r>
-              <a:rPr lang="en-US" dirty="0" err="1" smtClean="0">
-                <a:solidFill>
-                  <a:schemeClr val="bg1">
-                    <a:lumMod val="65000"/>
-                  </a:schemeClr>
-                </a:solidFill>
-              </a:rPr>
-              <a:t>humbnail_list</a:t>
-            </a:r>
-            <a:endParaRPr lang="en-US" dirty="0" smtClean="0">
-              <a:solidFill>
-                <a:schemeClr val="bg1">
-                  <a:lumMod val="65000"/>
-                </a:schemeClr>
-              </a:solidFill>
-            </a:endParaRPr>
-          </a:p>
-          <a:p>
-            <a:pPr lvl="1"/>
-            <a:r>
-              <a:rPr lang="en-US" dirty="0" err="1" smtClean="0">
-                <a:solidFill>
-                  <a:schemeClr val="bg1">
-                    <a:lumMod val="65000"/>
-                  </a:schemeClr>
-                </a:solidFill>
-              </a:rPr>
-              <a:t>metada</a:t>
-            </a:r>
-            <a:endParaRPr lang="en-US" dirty="0">
-              <a:solidFill>
-                <a:schemeClr val="bg1">
-                  <a:lumMod val="65000"/>
-                </a:schemeClr>
-              </a:solidFill>
-            </a:endParaRPr>
-          </a:p>
-        </p:txBody>
-      </p:sp>
-      <p:sp>
-        <p:nvSpPr>
-          <p:cNvPr id="4" name="Rectangle 3"/>
-          <p:cNvSpPr/>
-          <p:nvPr/>
-        </p:nvSpPr>
-        <p:spPr>
-          <a:xfrm>
-            <a:off x="1048871" y="2303929"/>
-            <a:ext cx="4087905" cy="1497106"/>
-          </a:xfrm>
-          <a:prstGeom prst="rect">
-            <a:avLst/>
-          </a:prstGeom>
-          <a:noFill/>
-        </p:spPr>
-        <p:style>
-          <a:lnRef idx="2">
-            <a:schemeClr val="accent1">
-              <a:shade val="50000"/>
-            </a:schemeClr>
-          </a:lnRef>
-          <a:fillRef idx="1">
-            <a:schemeClr val="accent1"/>
-          </a:fillRef>
-          <a:effectRef idx="0">
-            <a:schemeClr val="accent1"/>
-          </a:effectRef>
-          <a:fontRef idx="minor">
-            <a:schemeClr val="lt1"/>
-          </a:fontRef>
-        </p:style>
-        <p:txBody>
-          <a:bodyPr rtlCol="0" anchor="ctr"/>
-          <a:lstStyle/>
-          <a:p>
-            <a:pPr algn="ctr"/>
-            <a:endParaRPr lang="en-US"/>
-          </a:p>
-        </p:txBody>
-      </p:sp>
-      <p:sp>
-        <p:nvSpPr>
-          <p:cNvPr id="5" name="Rectangle 4"/>
-          <p:cNvSpPr/>
-          <p:nvPr/>
-        </p:nvSpPr>
-        <p:spPr>
-          <a:xfrm>
-            <a:off x="1048871" y="3863788"/>
-            <a:ext cx="4087905" cy="1164104"/>
-          </a:xfrm>
-          <a:prstGeom prst="rect">
-            <a:avLst/>
-          </a:prstGeom>
-          <a:noFill/>
-        </p:spPr>
-        <p:style>
-          <a:lnRef idx="2">
-            <a:schemeClr val="accent1">
-              <a:shade val="50000"/>
-            </a:schemeClr>
-          </a:lnRef>
-          <a:fillRef idx="1">
-            <a:schemeClr val="accent1"/>
-          </a:fillRef>
-          <a:effectRef idx="0">
-            <a:schemeClr val="accent1"/>
-          </a:effectRef>
-          <a:fontRef idx="minor">
-            <a:schemeClr val="lt1"/>
-          </a:fontRef>
-        </p:style>
-        <p:txBody>
-          <a:bodyPr rtlCol="0" anchor="ctr"/>
-          <a:lstStyle/>
-          <a:p>
-            <a:pPr algn="ctr"/>
-            <a:endParaRPr lang="en-US"/>
-          </a:p>
-        </p:txBody>
-      </p:sp>
-      <p:sp>
-        <p:nvSpPr>
-          <p:cNvPr id="6" name="Rectangle 5"/>
-          <p:cNvSpPr/>
-          <p:nvPr/>
-        </p:nvSpPr>
-        <p:spPr>
-          <a:xfrm>
-            <a:off x="1048871" y="5090645"/>
-            <a:ext cx="4087905" cy="422649"/>
-          </a:xfrm>
-          <a:prstGeom prst="rect">
-            <a:avLst/>
-          </a:prstGeom>
-          <a:noFill/>
-        </p:spPr>
-        <p:style>
-          <a:lnRef idx="2">
-            <a:schemeClr val="accent1">
-              <a:shade val="50000"/>
-            </a:schemeClr>
-          </a:lnRef>
-          <a:fillRef idx="1">
-            <a:schemeClr val="accent1"/>
-          </a:fillRef>
-          <a:effectRef idx="0">
-            <a:schemeClr val="accent1"/>
-          </a:effectRef>
-          <a:fontRef idx="minor">
-            <a:schemeClr val="lt1"/>
-          </a:fontRef>
-        </p:style>
-        <p:txBody>
-          <a:bodyPr rtlCol="0" anchor="ctr"/>
-          <a:lstStyle/>
-          <a:p>
-            <a:pPr algn="ctr"/>
-            <a:endParaRPr lang="en-US"/>
-          </a:p>
-        </p:txBody>
-      </p:sp>
-      <p:sp>
-        <p:nvSpPr>
-          <p:cNvPr id="7" name="TextBox 6"/>
-          <p:cNvSpPr txBox="1"/>
-          <p:nvPr/>
-        </p:nvSpPr>
-        <p:spPr>
-          <a:xfrm>
-            <a:off x="5836023" y="2867816"/>
-            <a:ext cx="1552861" cy="369332"/>
-          </a:xfrm>
-          <a:prstGeom prst="rect">
-            <a:avLst/>
-          </a:prstGeom>
-          <a:noFill/>
-        </p:spPr>
-        <p:txBody>
-          <a:bodyPr wrap="none" rtlCol="0">
-            <a:spAutoFit/>
-          </a:bodyPr>
-          <a:lstStyle/>
-          <a:p>
-            <a:r>
-              <a:rPr lang="en-US" dirty="0" smtClean="0"/>
-              <a:t>Course builder</a:t>
-            </a:r>
-            <a:endParaRPr lang="en-US" dirty="0"/>
-          </a:p>
-        </p:txBody>
-      </p:sp>
-      <p:sp>
-        <p:nvSpPr>
-          <p:cNvPr id="8" name="TextBox 7"/>
-          <p:cNvSpPr txBox="1"/>
-          <p:nvPr/>
-        </p:nvSpPr>
-        <p:spPr>
-          <a:xfrm>
-            <a:off x="5836023" y="4181306"/>
-            <a:ext cx="2876365" cy="369332"/>
-          </a:xfrm>
-          <a:prstGeom prst="rect">
-            <a:avLst/>
-          </a:prstGeom>
-          <a:noFill/>
-        </p:spPr>
-        <p:txBody>
-          <a:bodyPr wrap="none" rtlCol="0">
-            <a:spAutoFit/>
-          </a:bodyPr>
-          <a:lstStyle/>
-          <a:p>
-            <a:r>
-              <a:rPr lang="en-US" dirty="0" smtClean="0">
-                <a:solidFill>
-                  <a:schemeClr val="bg1">
-                    <a:lumMod val="65000"/>
-                  </a:schemeClr>
-                </a:solidFill>
-              </a:rPr>
-              <a:t>Batch video2Youtube upload</a:t>
-            </a:r>
-            <a:endParaRPr lang="en-US" dirty="0">
-              <a:solidFill>
-                <a:schemeClr val="bg1">
-                  <a:lumMod val="65000"/>
-                </a:schemeClr>
-              </a:solidFill>
-            </a:endParaRPr>
-          </a:p>
-        </p:txBody>
-      </p:sp>
-      <p:sp>
-        <p:nvSpPr>
-          <p:cNvPr id="9" name="TextBox 8"/>
-          <p:cNvSpPr txBox="1"/>
-          <p:nvPr/>
-        </p:nvSpPr>
-        <p:spPr>
-          <a:xfrm>
-            <a:off x="5836023" y="5040635"/>
-            <a:ext cx="2877671" cy="646331"/>
-          </a:xfrm>
-          <a:prstGeom prst="rect">
-            <a:avLst/>
-          </a:prstGeom>
-          <a:noFill/>
-        </p:spPr>
-        <p:txBody>
-          <a:bodyPr wrap="square" rtlCol="0">
-            <a:spAutoFit/>
-          </a:bodyPr>
-          <a:lstStyle/>
-          <a:p>
-            <a:r>
-              <a:rPr lang="en-US" dirty="0" smtClean="0">
-                <a:solidFill>
-                  <a:schemeClr val="bg1">
-                    <a:lumMod val="65000"/>
-                  </a:schemeClr>
-                </a:solidFill>
-              </a:rPr>
-              <a:t>leave it there, no need to consider</a:t>
-            </a:r>
-            <a:endParaRPr lang="en-US" dirty="0">
-              <a:solidFill>
-                <a:schemeClr val="bg1">
-                  <a:lumMod val="65000"/>
-                </a:schemeClr>
-              </a:solidFill>
-            </a:endParaRPr>
-          </a:p>
-        </p:txBody>
-      </p:sp>
-    </p:spTree>
-    <p:extLst>
-      <p:ext uri="{BB962C8B-B14F-4D97-AF65-F5344CB8AC3E}">
-        <p14:creationId xmlns:p14="http://schemas.microsoft.com/office/powerpoint/2010/main" val="1215831350"/>
       </p:ext>
     </p:extLst>
   </p:cSld>
@@ -11790,171 +11493,293 @@
           <a:lstStyle/>
           <a:p>
             <a:r>
+              <a:rPr lang="en-US" dirty="0" smtClean="0"/>
+              <a:t>Course_info.xlsm</a:t>
+            </a:r>
+            <a:endParaRPr lang="en-US" dirty="0"/>
+          </a:p>
+        </p:txBody>
+      </p:sp>
+      <p:sp>
+        <p:nvSpPr>
+          <p:cNvPr id="3" name="Content Placeholder 2"/>
+          <p:cNvSpPr>
+            <a:spLocks noGrp="1"/>
+          </p:cNvSpPr>
+          <p:nvPr>
+            <p:ph idx="1"/>
+          </p:nvPr>
+        </p:nvSpPr>
+        <p:spPr/>
+        <p:txBody>
+          <a:bodyPr/>
+          <a:lstStyle/>
+          <a:p>
+            <a:r>
+              <a:rPr lang="en-US" dirty="0" smtClean="0"/>
+              <a:t>Sheets</a:t>
+            </a:r>
+          </a:p>
+          <a:p>
+            <a:pPr lvl="1"/>
+            <a:r>
+              <a:rPr lang="en-US" dirty="0" err="1"/>
+              <a:t>c</a:t>
+            </a:r>
+            <a:r>
               <a:rPr lang="en-US" dirty="0" err="1" smtClean="0"/>
-              <a:t>Coursestructure</a:t>
-            </a:r>
+              <a:t>oursestructure</a:t>
+            </a:r>
+            <a:endParaRPr lang="en-US" dirty="0" smtClean="0"/>
+          </a:p>
+          <a:p>
+            <a:pPr lvl="1"/>
             <a:r>
               <a:rPr lang="en-US" dirty="0" smtClean="0"/>
-              <a:t> sheet</a:t>
+              <a:t>text</a:t>
             </a:r>
             <a:endParaRPr lang="en-US" dirty="0"/>
           </a:p>
-        </p:txBody>
-      </p:sp>
-      <p:sp>
-        <p:nvSpPr>
-          <p:cNvPr id="5" name="TextBox 4"/>
-          <p:cNvSpPr txBox="1"/>
+          <a:p>
+            <a:pPr lvl="1"/>
+            <a:r>
+              <a:rPr lang="en-US" dirty="0" smtClean="0"/>
+              <a:t>video</a:t>
+            </a:r>
+            <a:endParaRPr lang="en-US" dirty="0"/>
+          </a:p>
+          <a:p>
+            <a:pPr lvl="1"/>
+            <a:r>
+              <a:rPr lang="en-US" dirty="0" smtClean="0"/>
+              <a:t>problem</a:t>
+            </a:r>
+          </a:p>
+          <a:p>
+            <a:pPr lvl="1"/>
+            <a:r>
+              <a:rPr lang="en-US" dirty="0" err="1" smtClean="0">
+                <a:solidFill>
+                  <a:schemeClr val="bg1">
+                    <a:lumMod val="65000"/>
+                  </a:schemeClr>
+                </a:solidFill>
+              </a:rPr>
+              <a:t>upload_list</a:t>
+            </a:r>
+            <a:endParaRPr lang="en-US" dirty="0" smtClean="0">
+              <a:solidFill>
+                <a:schemeClr val="bg1">
+                  <a:lumMod val="65000"/>
+                </a:schemeClr>
+              </a:solidFill>
+            </a:endParaRPr>
+          </a:p>
+          <a:p>
+            <a:pPr lvl="1"/>
+            <a:r>
+              <a:rPr lang="en-US" dirty="0" err="1" smtClean="0">
+                <a:solidFill>
+                  <a:schemeClr val="bg1">
+                    <a:lumMod val="65000"/>
+                  </a:schemeClr>
+                </a:solidFill>
+              </a:rPr>
+              <a:t>caption_list</a:t>
+            </a:r>
+            <a:endParaRPr lang="en-US" dirty="0" smtClean="0">
+              <a:solidFill>
+                <a:schemeClr val="bg1">
+                  <a:lumMod val="65000"/>
+                </a:schemeClr>
+              </a:solidFill>
+            </a:endParaRPr>
+          </a:p>
+          <a:p>
+            <a:pPr lvl="1"/>
+            <a:r>
+              <a:rPr lang="en-US" dirty="0" err="1">
+                <a:solidFill>
+                  <a:schemeClr val="bg1">
+                    <a:lumMod val="65000"/>
+                  </a:schemeClr>
+                </a:solidFill>
+              </a:rPr>
+              <a:t>t</a:t>
+            </a:r>
+            <a:r>
+              <a:rPr lang="en-US" dirty="0" err="1" smtClean="0">
+                <a:solidFill>
+                  <a:schemeClr val="bg1">
+                    <a:lumMod val="65000"/>
+                  </a:schemeClr>
+                </a:solidFill>
+              </a:rPr>
+              <a:t>humbnail_list</a:t>
+            </a:r>
+            <a:endParaRPr lang="en-US" dirty="0" smtClean="0">
+              <a:solidFill>
+                <a:schemeClr val="bg1">
+                  <a:lumMod val="65000"/>
+                </a:schemeClr>
+              </a:solidFill>
+            </a:endParaRPr>
+          </a:p>
+          <a:p>
+            <a:pPr lvl="1"/>
+            <a:r>
+              <a:rPr lang="en-US" dirty="0" err="1" smtClean="0">
+                <a:solidFill>
+                  <a:schemeClr val="bg1">
+                    <a:lumMod val="65000"/>
+                  </a:schemeClr>
+                </a:solidFill>
+              </a:rPr>
+              <a:t>metada</a:t>
+            </a:r>
+            <a:endParaRPr lang="en-US" dirty="0">
+              <a:solidFill>
+                <a:schemeClr val="bg1">
+                  <a:lumMod val="65000"/>
+                </a:schemeClr>
+              </a:solidFill>
+            </a:endParaRPr>
+          </a:p>
+        </p:txBody>
+      </p:sp>
+      <p:sp>
+        <p:nvSpPr>
+          <p:cNvPr id="4" name="Rectangle 3"/>
+          <p:cNvSpPr/>
           <p:nvPr/>
         </p:nvSpPr>
         <p:spPr>
           <a:xfrm>
-            <a:off x="3344956" y="1506023"/>
-            <a:ext cx="2601931" cy="523220"/>
+            <a:off x="1048871" y="2303929"/>
+            <a:ext cx="4087905" cy="1497106"/>
           </a:xfrm>
           <a:prstGeom prst="rect">
             <a:avLst/>
           </a:prstGeom>
           <a:noFill/>
         </p:spPr>
-        <p:txBody>
-          <a:bodyPr wrap="none" rtlCol="0">
-            <a:spAutoFit/>
-          </a:bodyPr>
-          <a:lstStyle/>
-          <a:p>
-            <a:r>
-              <a:rPr lang="en-US" sz="2800" dirty="0" smtClean="0"/>
-              <a:t>Course overview</a:t>
-            </a:r>
-            <a:endParaRPr lang="en-US" sz="2800" dirty="0"/>
-          </a:p>
-        </p:txBody>
-      </p:sp>
-      <p:pic>
-        <p:nvPicPr>
-          <p:cNvPr id="7" name="Content Placeholder 6"/>
-          <p:cNvPicPr>
-            <a:picLocks noGrp="1" noChangeAspect="1"/>
-          </p:cNvPicPr>
-          <p:nvPr>
-            <p:ph idx="1"/>
-          </p:nvPr>
-        </p:nvPicPr>
-        <p:blipFill>
-          <a:blip r:embed="rId2"/>
-          <a:stretch>
-            <a:fillRect/>
-          </a:stretch>
-        </p:blipFill>
+        <p:style>
+          <a:lnRef idx="2">
+            <a:schemeClr val="accent1">
+              <a:shade val="50000"/>
+            </a:schemeClr>
+          </a:lnRef>
+          <a:fillRef idx="1">
+            <a:schemeClr val="accent1"/>
+          </a:fillRef>
+          <a:effectRef idx="0">
+            <a:schemeClr val="accent1"/>
+          </a:effectRef>
+          <a:fontRef idx="minor">
+            <a:schemeClr val="lt1"/>
+          </a:fontRef>
+        </p:style>
+        <p:txBody>
+          <a:bodyPr rtlCol="0" anchor="ctr"/>
+          <a:lstStyle/>
+          <a:p>
+            <a:pPr algn="ctr"/>
+            <a:endParaRPr lang="en-US"/>
+          </a:p>
+        </p:txBody>
+      </p:sp>
+      <p:sp>
+        <p:nvSpPr>
+          <p:cNvPr id="5" name="Rectangle 4"/>
+          <p:cNvSpPr/>
+          <p:nvPr/>
+        </p:nvSpPr>
         <p:spPr>
           <a:xfrm>
-            <a:off x="503145" y="2273629"/>
-            <a:ext cx="7886700" cy="2989163"/>
-          </a:xfrm>
-          <a:prstGeom prst="rect">
-            <a:avLst/>
-          </a:prstGeom>
-        </p:spPr>
-      </p:pic>
-      <p:sp>
-        <p:nvSpPr>
-          <p:cNvPr id="8" name="TextBox 7"/>
-          <p:cNvSpPr txBox="1"/>
-          <p:nvPr/>
-        </p:nvSpPr>
-        <p:spPr>
-          <a:xfrm>
-            <a:off x="137970" y="2459750"/>
-            <a:ext cx="981359" cy="646331"/>
+            <a:off x="1048871" y="3863788"/>
+            <a:ext cx="4087905" cy="1164104"/>
           </a:xfrm>
           <a:prstGeom prst="rect">
             <a:avLst/>
           </a:prstGeom>
           <a:noFill/>
         </p:spPr>
-        <p:txBody>
-          <a:bodyPr wrap="none" rtlCol="0">
-            <a:spAutoFit/>
-          </a:bodyPr>
-          <a:lstStyle/>
-          <a:p>
-            <a:r>
-              <a:rPr lang="en-US" dirty="0" smtClean="0"/>
-              <a:t>Index</a:t>
-            </a:r>
-          </a:p>
-          <a:p>
-            <a:r>
-              <a:rPr lang="en-US" dirty="0" smtClean="0">
-                <a:solidFill>
-                  <a:srgbClr val="FF0000"/>
-                </a:solidFill>
-              </a:rPr>
-              <a:t>(unique)</a:t>
-            </a:r>
-            <a:endParaRPr lang="en-US" dirty="0">
-              <a:solidFill>
-                <a:srgbClr val="FF0000"/>
-              </a:solidFill>
-            </a:endParaRPr>
-          </a:p>
-        </p:txBody>
-      </p:sp>
-      <p:sp>
-        <p:nvSpPr>
-          <p:cNvPr id="9" name="TextBox 8"/>
-          <p:cNvSpPr txBox="1"/>
+        <p:style>
+          <a:lnRef idx="2">
+            <a:schemeClr val="accent1">
+              <a:shade val="50000"/>
+            </a:schemeClr>
+          </a:lnRef>
+          <a:fillRef idx="1">
+            <a:schemeClr val="accent1"/>
+          </a:fillRef>
+          <a:effectRef idx="0">
+            <a:schemeClr val="accent1"/>
+          </a:effectRef>
+          <a:fontRef idx="minor">
+            <a:schemeClr val="lt1"/>
+          </a:fontRef>
+        </p:style>
+        <p:txBody>
+          <a:bodyPr rtlCol="0" anchor="ctr"/>
+          <a:lstStyle/>
+          <a:p>
+            <a:pPr algn="ctr"/>
+            <a:endParaRPr lang="en-US"/>
+          </a:p>
+        </p:txBody>
+      </p:sp>
+      <p:sp>
+        <p:nvSpPr>
+          <p:cNvPr id="6" name="Rectangle 5"/>
+          <p:cNvSpPr/>
           <p:nvPr/>
         </p:nvSpPr>
         <p:spPr>
           <a:xfrm>
-            <a:off x="932257" y="3042690"/>
-            <a:ext cx="877163" cy="646331"/>
+            <a:off x="1048871" y="5090645"/>
+            <a:ext cx="4087905" cy="422649"/>
           </a:xfrm>
           <a:prstGeom prst="rect">
             <a:avLst/>
           </a:prstGeom>
           <a:noFill/>
         </p:spPr>
-        <p:txBody>
-          <a:bodyPr wrap="none" rtlCol="0">
-            <a:spAutoFit/>
-          </a:bodyPr>
-          <a:lstStyle/>
-          <a:p>
-            <a:r>
-              <a:rPr lang="en-US" dirty="0" smtClean="0"/>
-              <a:t>Section</a:t>
-            </a:r>
-          </a:p>
-          <a:p>
-            <a:r>
-              <a:rPr lang="en-US" dirty="0" smtClean="0">
-                <a:solidFill>
-                  <a:srgbClr val="FF0000"/>
-                </a:solidFill>
-              </a:rPr>
-              <a:t>name</a:t>
-            </a:r>
-            <a:endParaRPr lang="en-US" dirty="0">
-              <a:solidFill>
-                <a:srgbClr val="FF0000"/>
-              </a:solidFill>
-            </a:endParaRPr>
-          </a:p>
-        </p:txBody>
-      </p:sp>
-      <p:sp>
-        <p:nvSpPr>
-          <p:cNvPr id="10" name="TextBox 9"/>
+        <p:style>
+          <a:lnRef idx="2">
+            <a:schemeClr val="accent1">
+              <a:shade val="50000"/>
+            </a:schemeClr>
+          </a:lnRef>
+          <a:fillRef idx="1">
+            <a:schemeClr val="accent1"/>
+          </a:fillRef>
+          <a:effectRef idx="0">
+            <a:schemeClr val="accent1"/>
+          </a:effectRef>
+          <a:fontRef idx="minor">
+            <a:schemeClr val="lt1"/>
+          </a:fontRef>
+        </p:style>
+        <p:txBody>
+          <a:bodyPr rtlCol="0" anchor="ctr"/>
+          <a:lstStyle/>
+          <a:p>
+            <a:pPr algn="ctr"/>
+            <a:endParaRPr lang="en-US"/>
+          </a:p>
+        </p:txBody>
+      </p:sp>
+      <p:sp>
+        <p:nvSpPr>
+          <p:cNvPr id="7" name="TextBox 6"/>
           <p:cNvSpPr txBox="1"/>
           <p:nvPr/>
         </p:nvSpPr>
         <p:spPr>
           <a:xfrm>
-            <a:off x="1909409" y="3689021"/>
-            <a:ext cx="1201343" cy="646331"/>
+            <a:off x="5836023" y="2867816"/>
+            <a:ext cx="1552861" cy="369332"/>
           </a:xfrm>
           <a:prstGeom prst="rect">
             <a:avLst/>
@@ -11962,41 +11787,29 @@
           <a:noFill/>
         </p:spPr>
         <p:txBody>
-          <a:bodyPr wrap="square" rtlCol="0">
+          <a:bodyPr wrap="none" rtlCol="0">
             <a:spAutoFit/>
           </a:bodyPr>
           <a:lstStyle/>
           <a:p>
             <a:r>
               <a:rPr lang="en-US" dirty="0" smtClean="0"/>
-              <a:t>Subsection </a:t>
-            </a:r>
-            <a:r>
-              <a:rPr lang="en-US" dirty="0" smtClean="0">
-                <a:solidFill>
-                  <a:srgbClr val="FF0000"/>
-                </a:solidFill>
-              </a:rPr>
-              <a:t>name</a:t>
-            </a:r>
-            <a:endParaRPr lang="en-US" dirty="0">
-              <a:solidFill>
-                <a:srgbClr val="FF0000"/>
-              </a:solidFill>
-            </a:endParaRPr>
-          </a:p>
-        </p:txBody>
-      </p:sp>
-      <p:sp>
-        <p:nvSpPr>
-          <p:cNvPr id="11" name="TextBox 10"/>
+              <a:t>Course builder</a:t>
+            </a:r>
+            <a:endParaRPr lang="en-US" dirty="0"/>
+          </a:p>
+        </p:txBody>
+      </p:sp>
+      <p:sp>
+        <p:nvSpPr>
+          <p:cNvPr id="8" name="TextBox 7"/>
           <p:cNvSpPr txBox="1"/>
           <p:nvPr/>
         </p:nvSpPr>
         <p:spPr>
           <a:xfrm>
-            <a:off x="3234439" y="3064525"/>
-            <a:ext cx="1048872" cy="646331"/>
+            <a:off x="5836023" y="4181306"/>
+            <a:ext cx="2876365" cy="369332"/>
           </a:xfrm>
           <a:prstGeom prst="rect">
             <a:avLst/>
@@ -12004,26 +11817,26 @@
           <a:noFill/>
         </p:spPr>
         <p:txBody>
-          <a:bodyPr wrap="square" rtlCol="0">
+          <a:bodyPr wrap="none" rtlCol="0">
             <a:spAutoFit/>
           </a:bodyPr>
           <a:lstStyle/>
           <a:p>
             <a:r>
-              <a:rPr lang="en-US" dirty="0" smtClean="0"/>
-              <a:t>unit </a:t>
-            </a:r>
-            <a:r>
               <a:rPr lang="en-US" dirty="0" smtClean="0">
                 <a:solidFill>
-                  <a:srgbClr val="FF0000"/>
+                  <a:schemeClr val="bg1">
+                    <a:lumMod val="65000"/>
+                  </a:schemeClr>
                 </a:solidFill>
               </a:rPr>
-              <a:t>name</a:t>
+              <a:t>Batch video2Youtube upload</a:t>
             </a:r>
             <a:endParaRPr lang="en-US" dirty="0">
               <a:solidFill>
-                <a:srgbClr val="FF0000"/>
+                <a:schemeClr val="bg1">
+                  <a:lumMod val="65000"/>
+                </a:schemeClr>
               </a:solidFill>
             </a:endParaRPr>
           </a:p>
@@ -12031,14 +11844,14 @@
       </p:sp>
       <p:sp>
         <p:nvSpPr>
-          <p:cNvPr id="12" name="TextBox 11"/>
+          <p:cNvPr id="9" name="TextBox 8"/>
           <p:cNvSpPr txBox="1"/>
           <p:nvPr/>
         </p:nvSpPr>
         <p:spPr>
           <a:xfrm>
-            <a:off x="4517016" y="3710856"/>
-            <a:ext cx="1048872" cy="646331"/>
+            <a:off x="5836023" y="5040635"/>
+            <a:ext cx="2877671" cy="646331"/>
           </a:xfrm>
           <a:prstGeom prst="rect">
             <a:avLst/>
@@ -12052,98 +11865,20 @@
           <a:lstStyle/>
           <a:p>
             <a:r>
-              <a:rPr lang="en-US" dirty="0" err="1" smtClean="0"/>
-              <a:t>material</a:t>
-            </a:r>
-            <a:r>
-              <a:rPr lang="en-US" dirty="0" err="1" smtClean="0">
+              <a:rPr lang="en-US" dirty="0" smtClean="0">
                 <a:solidFill>
-                  <a:srgbClr val="FF0000"/>
+                  <a:schemeClr val="bg1">
+                    <a:lumMod val="65000"/>
+                  </a:schemeClr>
                 </a:solidFill>
               </a:rPr>
-              <a:t>name</a:t>
+              <a:t>leave it there, no need to consider</a:t>
             </a:r>
             <a:endParaRPr lang="en-US" dirty="0">
               <a:solidFill>
-                <a:srgbClr val="FF0000"/>
-              </a:solidFill>
-            </a:endParaRPr>
-          </a:p>
-        </p:txBody>
-      </p:sp>
-      <p:sp>
-        <p:nvSpPr>
-          <p:cNvPr id="13" name="TextBox 12"/>
-          <p:cNvSpPr txBox="1"/>
-          <p:nvPr/>
-        </p:nvSpPr>
-        <p:spPr>
-          <a:xfrm>
-            <a:off x="5923280" y="3063993"/>
-            <a:ext cx="1048872" cy="646331"/>
-          </a:xfrm>
-          <a:prstGeom prst="rect">
-            <a:avLst/>
-          </a:prstGeom>
-          <a:noFill/>
-        </p:spPr>
-        <p:txBody>
-          <a:bodyPr wrap="square" rtlCol="0">
-            <a:spAutoFit/>
-          </a:bodyPr>
-          <a:lstStyle/>
-          <a:p>
-            <a:r>
-              <a:rPr lang="en-US" dirty="0" smtClean="0"/>
-              <a:t>Type of material</a:t>
-            </a:r>
-            <a:endParaRPr lang="en-US" dirty="0">
-              <a:solidFill>
-                <a:srgbClr val="FF0000"/>
-              </a:solidFill>
-            </a:endParaRPr>
-          </a:p>
-        </p:txBody>
-      </p:sp>
-      <p:sp>
-        <p:nvSpPr>
-          <p:cNvPr id="14" name="TextBox 13"/>
-          <p:cNvSpPr txBox="1"/>
-          <p:nvPr/>
-        </p:nvSpPr>
-        <p:spPr>
-          <a:xfrm>
-            <a:off x="7224120" y="3634169"/>
-            <a:ext cx="1282577" cy="646331"/>
-          </a:xfrm>
-          <a:prstGeom prst="rect">
-            <a:avLst/>
-          </a:prstGeom>
-          <a:noFill/>
-        </p:spPr>
-        <p:txBody>
-          <a:bodyPr wrap="square" rtlCol="0">
-            <a:spAutoFit/>
-          </a:bodyPr>
-          <a:lstStyle/>
-          <a:p>
-            <a:r>
-              <a:rPr lang="en-US" dirty="0" smtClean="0"/>
-              <a:t>For remark</a:t>
-            </a:r>
-          </a:p>
-          <a:p>
-            <a:r>
-              <a:rPr lang="en-US" dirty="0" smtClean="0">
-                <a:solidFill>
-                  <a:srgbClr val="FF0000"/>
-                </a:solidFill>
-              </a:rPr>
-              <a:t>(Optional)</a:t>
-            </a:r>
-            <a:endParaRPr lang="en-US" dirty="0">
-              <a:solidFill>
-                <a:srgbClr val="FF0000"/>
+                <a:schemeClr val="bg1">
+                  <a:lumMod val="65000"/>
+                </a:schemeClr>
               </a:solidFill>
             </a:endParaRPr>
           </a:p>
@@ -12152,7 +11887,7 @@
     </p:spTree>
     <p:extLst>
       <p:ext uri="{BB962C8B-B14F-4D97-AF65-F5344CB8AC3E}">
-        <p14:creationId xmlns:p14="http://schemas.microsoft.com/office/powerpoint/2010/main" val="1952374007"/>
+        <p14:creationId xmlns:p14="http://schemas.microsoft.com/office/powerpoint/2010/main" val="1215831350"/>
       </p:ext>
     </p:extLst>
   </p:cSld>
@@ -12213,9 +11948,39 @@
           </a:p>
         </p:txBody>
       </p:sp>
+      <p:sp>
+        <p:nvSpPr>
+          <p:cNvPr id="5" name="TextBox 4"/>
+          <p:cNvSpPr txBox="1"/>
+          <p:nvPr/>
+        </p:nvSpPr>
+        <p:spPr>
+          <a:xfrm>
+            <a:off x="3344956" y="1506023"/>
+            <a:ext cx="2601931" cy="523220"/>
+          </a:xfrm>
+          <a:prstGeom prst="rect">
+            <a:avLst/>
+          </a:prstGeom>
+          <a:noFill/>
+        </p:spPr>
+        <p:txBody>
+          <a:bodyPr wrap="none" rtlCol="0">
+            <a:spAutoFit/>
+          </a:bodyPr>
+          <a:lstStyle/>
+          <a:p>
+            <a:r>
+              <a:rPr lang="en-US" sz="2800" dirty="0" smtClean="0"/>
+              <a:t>Course overview</a:t>
+            </a:r>
+            <a:endParaRPr lang="en-US" sz="2800" dirty="0"/>
+          </a:p>
+        </p:txBody>
+      </p:sp>
       <p:pic>
         <p:nvPicPr>
-          <p:cNvPr id="4" name="Content Placeholder 3"/>
+          <p:cNvPr id="7" name="Content Placeholder 6"/>
           <p:cNvPicPr>
             <a:picLocks noGrp="1" noChangeAspect="1"/>
           </p:cNvPicPr>
@@ -12231,8 +11996,8 @@
         </p:blipFill>
         <p:spPr>
           <a:xfrm>
-            <a:off x="221635" y="2312070"/>
-            <a:ext cx="8848572" cy="3730142"/>
+            <a:off x="503145" y="2273629"/>
+            <a:ext cx="7886700" cy="2989163"/>
           </a:xfrm>
           <a:prstGeom prst="rect">
             <a:avLst/>
@@ -12241,14 +12006,14 @@
       </p:pic>
       <p:sp>
         <p:nvSpPr>
-          <p:cNvPr id="5" name="TextBox 4"/>
+          <p:cNvPr id="8" name="TextBox 7"/>
           <p:cNvSpPr txBox="1"/>
           <p:nvPr/>
         </p:nvSpPr>
         <p:spPr>
           <a:xfrm>
-            <a:off x="3344956" y="1506023"/>
-            <a:ext cx="1413464" cy="523220"/>
+            <a:off x="137970" y="2459750"/>
+            <a:ext cx="981359" cy="646331"/>
           </a:xfrm>
           <a:prstGeom prst="rect">
             <a:avLst/>
@@ -12262,17 +12027,279 @@
           <a:lstStyle/>
           <a:p>
             <a:r>
-              <a:rPr lang="en-US" sz="2800" dirty="0" smtClean="0"/>
-              <a:t>example</a:t>
-            </a:r>
-            <a:endParaRPr lang="en-US" sz="2800" dirty="0"/>
+              <a:rPr lang="en-US" dirty="0" smtClean="0"/>
+              <a:t>Index</a:t>
+            </a:r>
+          </a:p>
+          <a:p>
+            <a:r>
+              <a:rPr lang="en-US" dirty="0" smtClean="0">
+                <a:solidFill>
+                  <a:srgbClr val="FF0000"/>
+                </a:solidFill>
+              </a:rPr>
+              <a:t>(unique)</a:t>
+            </a:r>
+            <a:endParaRPr lang="en-US" dirty="0">
+              <a:solidFill>
+                <a:srgbClr val="FF0000"/>
+              </a:solidFill>
+            </a:endParaRPr>
+          </a:p>
+        </p:txBody>
+      </p:sp>
+      <p:sp>
+        <p:nvSpPr>
+          <p:cNvPr id="9" name="TextBox 8"/>
+          <p:cNvSpPr txBox="1"/>
+          <p:nvPr/>
+        </p:nvSpPr>
+        <p:spPr>
+          <a:xfrm>
+            <a:off x="932257" y="3042690"/>
+            <a:ext cx="877163" cy="646331"/>
+          </a:xfrm>
+          <a:prstGeom prst="rect">
+            <a:avLst/>
+          </a:prstGeom>
+          <a:noFill/>
+        </p:spPr>
+        <p:txBody>
+          <a:bodyPr wrap="none" rtlCol="0">
+            <a:spAutoFit/>
+          </a:bodyPr>
+          <a:lstStyle/>
+          <a:p>
+            <a:r>
+              <a:rPr lang="en-US" dirty="0" smtClean="0"/>
+              <a:t>Section</a:t>
+            </a:r>
+          </a:p>
+          <a:p>
+            <a:r>
+              <a:rPr lang="en-US" dirty="0" smtClean="0">
+                <a:solidFill>
+                  <a:srgbClr val="FF0000"/>
+                </a:solidFill>
+              </a:rPr>
+              <a:t>name</a:t>
+            </a:r>
+            <a:endParaRPr lang="en-US" dirty="0">
+              <a:solidFill>
+                <a:srgbClr val="FF0000"/>
+              </a:solidFill>
+            </a:endParaRPr>
+          </a:p>
+        </p:txBody>
+      </p:sp>
+      <p:sp>
+        <p:nvSpPr>
+          <p:cNvPr id="10" name="TextBox 9"/>
+          <p:cNvSpPr txBox="1"/>
+          <p:nvPr/>
+        </p:nvSpPr>
+        <p:spPr>
+          <a:xfrm>
+            <a:off x="1909409" y="3689021"/>
+            <a:ext cx="1201343" cy="646331"/>
+          </a:xfrm>
+          <a:prstGeom prst="rect">
+            <a:avLst/>
+          </a:prstGeom>
+          <a:noFill/>
+        </p:spPr>
+        <p:txBody>
+          <a:bodyPr wrap="square" rtlCol="0">
+            <a:spAutoFit/>
+          </a:bodyPr>
+          <a:lstStyle/>
+          <a:p>
+            <a:r>
+              <a:rPr lang="en-US" dirty="0" smtClean="0"/>
+              <a:t>Subsection </a:t>
+            </a:r>
+            <a:r>
+              <a:rPr lang="en-US" dirty="0" smtClean="0">
+                <a:solidFill>
+                  <a:srgbClr val="FF0000"/>
+                </a:solidFill>
+              </a:rPr>
+              <a:t>name</a:t>
+            </a:r>
+            <a:endParaRPr lang="en-US" dirty="0">
+              <a:solidFill>
+                <a:srgbClr val="FF0000"/>
+              </a:solidFill>
+            </a:endParaRPr>
+          </a:p>
+        </p:txBody>
+      </p:sp>
+      <p:sp>
+        <p:nvSpPr>
+          <p:cNvPr id="11" name="TextBox 10"/>
+          <p:cNvSpPr txBox="1"/>
+          <p:nvPr/>
+        </p:nvSpPr>
+        <p:spPr>
+          <a:xfrm>
+            <a:off x="3234439" y="3064525"/>
+            <a:ext cx="1048872" cy="646331"/>
+          </a:xfrm>
+          <a:prstGeom prst="rect">
+            <a:avLst/>
+          </a:prstGeom>
+          <a:noFill/>
+        </p:spPr>
+        <p:txBody>
+          <a:bodyPr wrap="square" rtlCol="0">
+            <a:spAutoFit/>
+          </a:bodyPr>
+          <a:lstStyle/>
+          <a:p>
+            <a:r>
+              <a:rPr lang="en-US" dirty="0" smtClean="0"/>
+              <a:t>unit </a:t>
+            </a:r>
+            <a:r>
+              <a:rPr lang="en-US" dirty="0" smtClean="0">
+                <a:solidFill>
+                  <a:srgbClr val="FF0000"/>
+                </a:solidFill>
+              </a:rPr>
+              <a:t>name</a:t>
+            </a:r>
+            <a:endParaRPr lang="en-US" dirty="0">
+              <a:solidFill>
+                <a:srgbClr val="FF0000"/>
+              </a:solidFill>
+            </a:endParaRPr>
+          </a:p>
+        </p:txBody>
+      </p:sp>
+      <p:sp>
+        <p:nvSpPr>
+          <p:cNvPr id="12" name="TextBox 11"/>
+          <p:cNvSpPr txBox="1"/>
+          <p:nvPr/>
+        </p:nvSpPr>
+        <p:spPr>
+          <a:xfrm>
+            <a:off x="4517016" y="3710856"/>
+            <a:ext cx="1048872" cy="646331"/>
+          </a:xfrm>
+          <a:prstGeom prst="rect">
+            <a:avLst/>
+          </a:prstGeom>
+          <a:noFill/>
+        </p:spPr>
+        <p:txBody>
+          <a:bodyPr wrap="square" rtlCol="0">
+            <a:spAutoFit/>
+          </a:bodyPr>
+          <a:lstStyle/>
+          <a:p>
+            <a:r>
+              <a:rPr lang="en-US" dirty="0" err="1" smtClean="0"/>
+              <a:t>material</a:t>
+            </a:r>
+            <a:r>
+              <a:rPr lang="en-US" dirty="0" err="1" smtClean="0">
+                <a:solidFill>
+                  <a:srgbClr val="FF0000"/>
+                </a:solidFill>
+              </a:rPr>
+              <a:t>name</a:t>
+            </a:r>
+            <a:endParaRPr lang="en-US" dirty="0">
+              <a:solidFill>
+                <a:srgbClr val="FF0000"/>
+              </a:solidFill>
+            </a:endParaRPr>
+          </a:p>
+        </p:txBody>
+      </p:sp>
+      <p:sp>
+        <p:nvSpPr>
+          <p:cNvPr id="13" name="TextBox 12"/>
+          <p:cNvSpPr txBox="1"/>
+          <p:nvPr/>
+        </p:nvSpPr>
+        <p:spPr>
+          <a:xfrm>
+            <a:off x="5923280" y="3063993"/>
+            <a:ext cx="1048872" cy="646331"/>
+          </a:xfrm>
+          <a:prstGeom prst="rect">
+            <a:avLst/>
+          </a:prstGeom>
+          <a:noFill/>
+        </p:spPr>
+        <p:txBody>
+          <a:bodyPr wrap="square" rtlCol="0">
+            <a:spAutoFit/>
+          </a:bodyPr>
+          <a:lstStyle/>
+          <a:p>
+            <a:r>
+              <a:rPr lang="en-US" dirty="0" smtClean="0"/>
+              <a:t>Type of material</a:t>
+            </a:r>
+            <a:endParaRPr lang="en-US" dirty="0">
+              <a:solidFill>
+                <a:srgbClr val="FF0000"/>
+              </a:solidFill>
+            </a:endParaRPr>
+          </a:p>
+        </p:txBody>
+      </p:sp>
+      <p:sp>
+        <p:nvSpPr>
+          <p:cNvPr id="14" name="TextBox 13"/>
+          <p:cNvSpPr txBox="1"/>
+          <p:nvPr/>
+        </p:nvSpPr>
+        <p:spPr>
+          <a:xfrm>
+            <a:off x="7224120" y="3634169"/>
+            <a:ext cx="1282577" cy="646331"/>
+          </a:xfrm>
+          <a:prstGeom prst="rect">
+            <a:avLst/>
+          </a:prstGeom>
+          <a:noFill/>
+        </p:spPr>
+        <p:txBody>
+          <a:bodyPr wrap="square" rtlCol="0">
+            <a:spAutoFit/>
+          </a:bodyPr>
+          <a:lstStyle/>
+          <a:p>
+            <a:r>
+              <a:rPr lang="en-US" dirty="0" smtClean="0"/>
+              <a:t>For remark</a:t>
+            </a:r>
+          </a:p>
+          <a:p>
+            <a:r>
+              <a:rPr lang="en-US" dirty="0" smtClean="0">
+                <a:solidFill>
+                  <a:srgbClr val="FF0000"/>
+                </a:solidFill>
+              </a:rPr>
+              <a:t>(Optional)</a:t>
+            </a:r>
+            <a:endParaRPr lang="en-US" dirty="0">
+              <a:solidFill>
+                <a:srgbClr val="FF0000"/>
+              </a:solidFill>
+            </a:endParaRPr>
           </a:p>
         </p:txBody>
       </p:sp>
     </p:spTree>
     <p:extLst>
       <p:ext uri="{BB962C8B-B14F-4D97-AF65-F5344CB8AC3E}">
-        <p14:creationId xmlns:p14="http://schemas.microsoft.com/office/powerpoint/2010/main" val="1058114604"/>
+        <p14:creationId xmlns:p14="http://schemas.microsoft.com/office/powerpoint/2010/main" val="1952374007"/>
       </p:ext>
     </p:extLst>
   </p:cSld>
@@ -12323,7 +12350,7 @@
           <a:p>
             <a:r>
               <a:rPr lang="en-US" dirty="0" err="1" smtClean="0"/>
-              <a:t>coursestructure</a:t>
+              <a:t>Coursestructure</a:t>
             </a:r>
             <a:r>
               <a:rPr lang="en-US" dirty="0" smtClean="0"/>
@@ -12333,39 +12360,9 @@
           </a:p>
         </p:txBody>
       </p:sp>
-      <p:sp>
-        <p:nvSpPr>
-          <p:cNvPr id="5" name="TextBox 4"/>
-          <p:cNvSpPr txBox="1"/>
-          <p:nvPr/>
-        </p:nvSpPr>
-        <p:spPr>
-          <a:xfrm>
-            <a:off x="3344956" y="1506023"/>
-            <a:ext cx="3283271" cy="523220"/>
-          </a:xfrm>
-          <a:prstGeom prst="rect">
-            <a:avLst/>
-          </a:prstGeom>
-          <a:noFill/>
-        </p:spPr>
-        <p:txBody>
-          <a:bodyPr wrap="none" rtlCol="0">
-            <a:spAutoFit/>
-          </a:bodyPr>
-          <a:lstStyle/>
-          <a:p>
-            <a:r>
-              <a:rPr lang="en-US" sz="2800" dirty="0" smtClean="0"/>
-              <a:t>Update/reset button</a:t>
-            </a:r>
-            <a:endParaRPr lang="en-US" sz="2800" dirty="0"/>
-          </a:p>
-        </p:txBody>
-      </p:sp>
       <p:pic>
         <p:nvPicPr>
-          <p:cNvPr id="8" name="Content Placeholder 7"/>
+          <p:cNvPr id="4" name="Content Placeholder 3"/>
           <p:cNvPicPr>
             <a:picLocks noGrp="1" noChangeAspect="1"/>
           </p:cNvPicPr>
@@ -12381,8 +12378,8 @@
         </p:blipFill>
         <p:spPr>
           <a:xfrm>
-            <a:off x="476250" y="2244230"/>
-            <a:ext cx="7886700" cy="4177515"/>
+            <a:off x="221635" y="2312070"/>
+            <a:ext cx="8848572" cy="3730142"/>
           </a:xfrm>
           <a:prstGeom prst="rect">
             <a:avLst/>
@@ -12391,14 +12388,14 @@
       </p:pic>
       <p:sp>
         <p:nvSpPr>
-          <p:cNvPr id="9" name="TextBox 8"/>
+          <p:cNvPr id="5" name="TextBox 4"/>
           <p:cNvSpPr txBox="1"/>
           <p:nvPr/>
         </p:nvSpPr>
         <p:spPr>
           <a:xfrm>
-            <a:off x="4817409" y="2508420"/>
-            <a:ext cx="3854824" cy="646331"/>
+            <a:off x="3344956" y="1506023"/>
+            <a:ext cx="1413464" cy="523220"/>
           </a:xfrm>
           <a:prstGeom prst="rect">
             <a:avLst/>
@@ -12406,53 +12403,23 @@
           <a:noFill/>
         </p:spPr>
         <p:txBody>
-          <a:bodyPr wrap="square" rtlCol="0">
+          <a:bodyPr wrap="none" rtlCol="0">
             <a:spAutoFit/>
           </a:bodyPr>
           <a:lstStyle/>
           <a:p>
             <a:r>
-              <a:rPr lang="en-US" dirty="0" smtClean="0"/>
-              <a:t>Update data into other material sheets with respect to material type </a:t>
-            </a:r>
-            <a:endParaRPr lang="en-US" dirty="0"/>
-          </a:p>
-        </p:txBody>
-      </p:sp>
-      <p:sp>
-        <p:nvSpPr>
-          <p:cNvPr id="10" name="TextBox 9"/>
-          <p:cNvSpPr txBox="1"/>
-          <p:nvPr/>
-        </p:nvSpPr>
-        <p:spPr>
-          <a:xfrm>
-            <a:off x="4994461" y="4816377"/>
-            <a:ext cx="4149539" cy="369332"/>
-          </a:xfrm>
-          <a:prstGeom prst="rect">
-            <a:avLst/>
-          </a:prstGeom>
-          <a:noFill/>
-        </p:spPr>
-        <p:txBody>
-          <a:bodyPr wrap="square" rtlCol="0">
-            <a:spAutoFit/>
-          </a:bodyPr>
-          <a:lstStyle/>
-          <a:p>
-            <a:r>
-              <a:rPr lang="en-US" dirty="0" smtClean="0"/>
-              <a:t>Remove data at all material sheets</a:t>
-            </a:r>
-            <a:endParaRPr lang="en-US" dirty="0"/>
+              <a:rPr lang="en-US" sz="2800" dirty="0" smtClean="0"/>
+              <a:t>example</a:t>
+            </a:r>
+            <a:endParaRPr lang="en-US" sz="2800" dirty="0"/>
           </a:p>
         </p:txBody>
       </p:sp>
     </p:spTree>
     <p:extLst>
       <p:ext uri="{BB962C8B-B14F-4D97-AF65-F5344CB8AC3E}">
-        <p14:creationId xmlns:p14="http://schemas.microsoft.com/office/powerpoint/2010/main" val="3155030020"/>
+        <p14:creationId xmlns:p14="http://schemas.microsoft.com/office/powerpoint/2010/main" val="1058114604"/>
       </p:ext>
     </p:extLst>
   </p:cSld>
@@ -12502,20 +12469,50 @@
           <a:lstStyle/>
           <a:p>
             <a:r>
-              <a:rPr lang="en-US" dirty="0"/>
-              <a:t>t</a:t>
+              <a:rPr lang="en-US" dirty="0" err="1" smtClean="0"/>
+              <a:t>coursestructure</a:t>
             </a:r>
             <a:r>
               <a:rPr lang="en-US" dirty="0" smtClean="0"/>
-              <a:t>ext sheet</a:t>
+              <a:t> sheet</a:t>
             </a:r>
             <a:endParaRPr lang="en-US" dirty="0"/>
+          </a:p>
+        </p:txBody>
+      </p:sp>
+      <p:sp>
+        <p:nvSpPr>
+          <p:cNvPr id="5" name="TextBox 4"/>
+          <p:cNvSpPr txBox="1"/>
+          <p:nvPr/>
+        </p:nvSpPr>
+        <p:spPr>
+          <a:xfrm>
+            <a:off x="3344956" y="1506023"/>
+            <a:ext cx="3283271" cy="523220"/>
+          </a:xfrm>
+          <a:prstGeom prst="rect">
+            <a:avLst/>
+          </a:prstGeom>
+          <a:noFill/>
+        </p:spPr>
+        <p:txBody>
+          <a:bodyPr wrap="none" rtlCol="0">
+            <a:spAutoFit/>
+          </a:bodyPr>
+          <a:lstStyle/>
+          <a:p>
+            <a:r>
+              <a:rPr lang="en-US" sz="2800" dirty="0" smtClean="0"/>
+              <a:t>Update/reset button</a:t>
+            </a:r>
+            <a:endParaRPr lang="en-US" sz="2800" dirty="0"/>
           </a:p>
         </p:txBody>
       </p:sp>
       <p:pic>
         <p:nvPicPr>
-          <p:cNvPr id="4" name="Content Placeholder 3"/>
+          <p:cNvPr id="8" name="Content Placeholder 7"/>
           <p:cNvPicPr>
             <a:picLocks noGrp="1" noChangeAspect="1"/>
           </p:cNvPicPr>
@@ -12523,15 +12520,16 @@
             <p:ph idx="1"/>
           </p:nvPr>
         </p:nvPicPr>
-        <p:blipFill rotWithShape="1">
+        <p:blipFill>
           <a:blip r:embed="rId2"/>
-          <a:srcRect r="11446"/>
-          <a:stretch/>
+          <a:stretch>
+            <a:fillRect/>
+          </a:stretch>
         </p:blipFill>
         <p:spPr>
           <a:xfrm>
-            <a:off x="269501" y="2058242"/>
-            <a:ext cx="8461562" cy="1795098"/>
+            <a:off x="476250" y="2244230"/>
+            <a:ext cx="7886700" cy="4177515"/>
           </a:xfrm>
           <a:prstGeom prst="rect">
             <a:avLst/>
@@ -12540,14 +12538,14 @@
       </p:pic>
       <p:sp>
         <p:nvSpPr>
-          <p:cNvPr id="5" name="TextBox 4"/>
+          <p:cNvPr id="9" name="TextBox 8"/>
           <p:cNvSpPr txBox="1"/>
           <p:nvPr/>
         </p:nvSpPr>
         <p:spPr>
           <a:xfrm>
-            <a:off x="6260971" y="2474258"/>
-            <a:ext cx="1757082" cy="646331"/>
+            <a:off x="4817409" y="2508420"/>
+            <a:ext cx="3854824" cy="646331"/>
           </a:xfrm>
           <a:prstGeom prst="rect">
             <a:avLst/>
@@ -12562,7 +12560,7 @@
           <a:p>
             <a:r>
               <a:rPr lang="en-US" dirty="0" smtClean="0"/>
-              <a:t>Directory of HTML file</a:t>
+              <a:t>Update data into other material sheets with respect to material type </a:t>
             </a:r>
             <a:endParaRPr lang="en-US" dirty="0"/>
           </a:p>
@@ -12570,70 +12568,14 @@
       </p:sp>
       <p:sp>
         <p:nvSpPr>
-          <p:cNvPr id="6" name="Rectangle 5"/>
-          <p:cNvSpPr/>
-          <p:nvPr/>
-        </p:nvSpPr>
-        <p:spPr>
-          <a:xfrm>
-            <a:off x="7968575" y="2474258"/>
-            <a:ext cx="1093550" cy="646331"/>
-          </a:xfrm>
-          <a:prstGeom prst="rect">
-            <a:avLst/>
-          </a:prstGeom>
-        </p:spPr>
-        <p:txBody>
-          <a:bodyPr wrap="square">
-            <a:spAutoFit/>
-          </a:bodyPr>
-          <a:lstStyle/>
-          <a:p>
-            <a:r>
-              <a:rPr lang="en-US" dirty="0" smtClean="0"/>
-              <a:t>HTML </a:t>
-            </a:r>
-            <a:r>
-              <a:rPr lang="en-US" dirty="0"/>
-              <a:t>filename</a:t>
-            </a:r>
-          </a:p>
-        </p:txBody>
-      </p:sp>
-      <p:pic>
-        <p:nvPicPr>
-          <p:cNvPr id="7" name="Picture 6"/>
-          <p:cNvPicPr>
-            <a:picLocks noChangeAspect="1"/>
-          </p:cNvPicPr>
-          <p:nvPr/>
-        </p:nvPicPr>
-        <p:blipFill>
-          <a:blip r:embed="rId3"/>
-          <a:stretch>
-            <a:fillRect/>
-          </a:stretch>
-        </p:blipFill>
-        <p:spPr>
-          <a:xfrm>
-            <a:off x="138517" y="4655039"/>
-            <a:ext cx="8866965" cy="1716623"/>
-          </a:xfrm>
-          <a:prstGeom prst="rect">
-            <a:avLst/>
-          </a:prstGeom>
-        </p:spPr>
-      </p:pic>
-      <p:sp>
-        <p:nvSpPr>
-          <p:cNvPr id="8" name="TextBox 7"/>
+          <p:cNvPr id="10" name="TextBox 9"/>
           <p:cNvSpPr txBox="1"/>
           <p:nvPr/>
         </p:nvSpPr>
         <p:spPr>
           <a:xfrm>
-            <a:off x="269501" y="1648522"/>
-            <a:ext cx="799899" cy="369332"/>
+            <a:off x="4994461" y="4816377"/>
+            <a:ext cx="4149539" cy="369332"/>
           </a:xfrm>
           <a:prstGeom prst="rect">
             <a:avLst/>
@@ -12641,71 +12583,6 @@
           <a:noFill/>
         </p:spPr>
         <p:txBody>
-          <a:bodyPr wrap="none" rtlCol="0">
-            <a:spAutoFit/>
-          </a:bodyPr>
-          <a:lstStyle/>
-          <a:p>
-            <a:r>
-              <a:rPr lang="en-US" dirty="0" smtClean="0"/>
-              <a:t>before</a:t>
-            </a:r>
-            <a:endParaRPr lang="en-US" dirty="0"/>
-          </a:p>
-        </p:txBody>
-      </p:sp>
-      <p:sp>
-        <p:nvSpPr>
-          <p:cNvPr id="9" name="TextBox 8"/>
-          <p:cNvSpPr txBox="1"/>
-          <p:nvPr/>
-        </p:nvSpPr>
-        <p:spPr>
-          <a:xfrm>
-            <a:off x="228700" y="4220893"/>
-            <a:ext cx="634469" cy="369332"/>
-          </a:xfrm>
-          <a:prstGeom prst="rect">
-            <a:avLst/>
-          </a:prstGeom>
-          <a:noFill/>
-        </p:spPr>
-        <p:txBody>
-          <a:bodyPr wrap="none" rtlCol="0">
-            <a:spAutoFit/>
-          </a:bodyPr>
-          <a:lstStyle/>
-          <a:p>
-            <a:r>
-              <a:rPr lang="en-US" dirty="0" smtClean="0"/>
-              <a:t>after</a:t>
-            </a:r>
-            <a:endParaRPr lang="en-US" dirty="0"/>
-          </a:p>
-        </p:txBody>
-      </p:sp>
-      <p:sp>
-        <p:nvSpPr>
-          <p:cNvPr id="10" name="TextBox 9"/>
-          <p:cNvSpPr txBox="1"/>
-          <p:nvPr/>
-        </p:nvSpPr>
-        <p:spPr>
-          <a:xfrm>
-            <a:off x="6260971" y="880738"/>
-            <a:ext cx="2303857" cy="646331"/>
-          </a:xfrm>
-          <a:prstGeom prst="rect">
-            <a:avLst/>
-          </a:prstGeom>
-          <a:noFill/>
-          <a:ln>
-            <a:solidFill>
-              <a:srgbClr val="FF0000"/>
-            </a:solidFill>
-          </a:ln>
-        </p:spPr>
-        <p:txBody>
           <a:bodyPr wrap="square" rtlCol="0">
             <a:spAutoFit/>
           </a:bodyPr>
@@ -12713,59 +12590,16 @@
           <a:p>
             <a:r>
               <a:rPr lang="en-US" dirty="0" smtClean="0"/>
-              <a:t>Directory inside </a:t>
-            </a:r>
-            <a:r>
-              <a:rPr lang="en-US" dirty="0" err="1" smtClean="0"/>
-              <a:t>text_source</a:t>
-            </a:r>
-            <a:r>
-              <a:rPr lang="en-US" dirty="0" smtClean="0"/>
-              <a:t> folder</a:t>
+              <a:t>Remove data at all material sheets</a:t>
             </a:r>
             <a:endParaRPr lang="en-US" dirty="0"/>
           </a:p>
         </p:txBody>
       </p:sp>
-      <p:cxnSp>
-        <p:nvCxnSpPr>
-          <p:cNvPr id="12" name="Straight Arrow Connector 11"/>
-          <p:cNvCxnSpPr>
-            <a:endCxn id="10" idx="2"/>
-          </p:cNvCxnSpPr>
-          <p:nvPr/>
-        </p:nvCxnSpPr>
-        <p:spPr>
-          <a:xfrm flipV="1">
-            <a:off x="6884894" y="1527069"/>
-            <a:ext cx="528006" cy="965319"/>
-          </a:xfrm>
-          <a:prstGeom prst="straightConnector1">
-            <a:avLst/>
-          </a:prstGeom>
-          <a:ln>
-            <a:tailEnd type="triangle"/>
-          </a:ln>
-        </p:spPr>
-        <p:style>
-          <a:lnRef idx="1">
-            <a:schemeClr val="accent1"/>
-          </a:lnRef>
-          <a:fillRef idx="0">
-            <a:schemeClr val="accent1"/>
-          </a:fillRef>
-          <a:effectRef idx="0">
-            <a:schemeClr val="accent1"/>
-          </a:effectRef>
-          <a:fontRef idx="minor">
-            <a:schemeClr val="tx1"/>
-          </a:fontRef>
-        </p:style>
-      </p:cxnSp>
     </p:spTree>
     <p:extLst>
       <p:ext uri="{BB962C8B-B14F-4D97-AF65-F5344CB8AC3E}">
-        <p14:creationId xmlns:p14="http://schemas.microsoft.com/office/powerpoint/2010/main" val="3766350499"/>
+        <p14:creationId xmlns:p14="http://schemas.microsoft.com/office/powerpoint/2010/main" val="3155030020"/>
       </p:ext>
     </p:extLst>
   </p:cSld>
@@ -12906,11 +12740,11 @@
           <a:p>
             <a:r>
               <a:rPr lang="en-US" dirty="0"/>
-              <a:t>v</a:t>
+              <a:t>t</a:t>
             </a:r>
             <a:r>
               <a:rPr lang="en-US" dirty="0" smtClean="0"/>
-              <a:t>ideo sheet</a:t>
+              <a:t>ext sheet</a:t>
             </a:r>
             <a:endParaRPr lang="en-US" dirty="0"/>
           </a:p>
@@ -12926,16 +12760,15 @@
             <p:ph idx="1"/>
           </p:nvPr>
         </p:nvPicPr>
-        <p:blipFill>
+        <p:blipFill rotWithShape="1">
           <a:blip r:embed="rId2"/>
-          <a:stretch>
-            <a:fillRect/>
-          </a:stretch>
+          <a:srcRect r="11446"/>
+          <a:stretch/>
         </p:blipFill>
         <p:spPr>
           <a:xfrm>
-            <a:off x="628650" y="4743863"/>
-            <a:ext cx="7886700" cy="1849731"/>
+            <a:off x="269501" y="2058242"/>
+            <a:ext cx="8461562" cy="1795098"/>
           </a:xfrm>
           <a:prstGeom prst="rect">
             <a:avLst/>
@@ -12950,8 +12783,8 @@
         </p:nvSpPr>
         <p:spPr>
           <a:xfrm>
-            <a:off x="712794" y="4211928"/>
-            <a:ext cx="634469" cy="369332"/>
+            <a:off x="6260971" y="2474258"/>
+            <a:ext cx="1757082" cy="646331"/>
           </a:xfrm>
           <a:prstGeom prst="rect">
             <a:avLst/>
@@ -12959,22 +12792,54 @@
           <a:noFill/>
         </p:spPr>
         <p:txBody>
-          <a:bodyPr wrap="none" rtlCol="0">
+          <a:bodyPr wrap="square" rtlCol="0">
             <a:spAutoFit/>
           </a:bodyPr>
           <a:lstStyle/>
           <a:p>
             <a:r>
               <a:rPr lang="en-US" dirty="0" smtClean="0"/>
-              <a:t>after</a:t>
+              <a:t>Directory of HTML file</a:t>
             </a:r>
             <a:endParaRPr lang="en-US" dirty="0"/>
+          </a:p>
+        </p:txBody>
+      </p:sp>
+      <p:sp>
+        <p:nvSpPr>
+          <p:cNvPr id="6" name="Rectangle 5"/>
+          <p:cNvSpPr/>
+          <p:nvPr/>
+        </p:nvSpPr>
+        <p:spPr>
+          <a:xfrm>
+            <a:off x="7968575" y="2474258"/>
+            <a:ext cx="1093550" cy="646331"/>
+          </a:xfrm>
+          <a:prstGeom prst="rect">
+            <a:avLst/>
+          </a:prstGeom>
+        </p:spPr>
+        <p:txBody>
+          <a:bodyPr wrap="square">
+            <a:spAutoFit/>
+          </a:bodyPr>
+          <a:lstStyle/>
+          <a:p>
+            <a:r>
+              <a:rPr lang="en-US" dirty="0" smtClean="0"/>
+              <a:t>HTML </a:t>
+            </a:r>
+            <a:r>
+              <a:rPr lang="en-US" dirty="0"/>
+              <a:t>filename</a:t>
+            </a:r>
           </a:p>
         </p:txBody>
       </p:sp>
       <p:pic>
         <p:nvPicPr>
-          <p:cNvPr id="6" name="Picture 5"/>
+          <p:cNvPr id="7" name="Picture 6"/>
           <p:cNvPicPr>
             <a:picLocks noChangeAspect="1"/>
           </p:cNvPicPr>
@@ -12988,8 +12853,8 @@
         </p:blipFill>
         <p:spPr>
           <a:xfrm>
-            <a:off x="252132" y="2487445"/>
-            <a:ext cx="8458368" cy="1722505"/>
+            <a:off x="138517" y="4655039"/>
+            <a:ext cx="8866965" cy="1716623"/>
           </a:xfrm>
           <a:prstGeom prst="rect">
             <a:avLst/>
@@ -12998,13 +12863,13 @@
       </p:pic>
       <p:sp>
         <p:nvSpPr>
-          <p:cNvPr id="7" name="TextBox 6"/>
+          <p:cNvPr id="8" name="TextBox 7"/>
           <p:cNvSpPr txBox="1"/>
           <p:nvPr/>
         </p:nvSpPr>
         <p:spPr>
           <a:xfrm>
-            <a:off x="314885" y="1918345"/>
+            <a:off x="269501" y="1648522"/>
             <a:ext cx="799899" cy="369332"/>
           </a:xfrm>
           <a:prstGeom prst="rect">
@@ -13028,14 +12893,14 @@
       </p:sp>
       <p:sp>
         <p:nvSpPr>
-          <p:cNvPr id="8" name="TextBox 7"/>
+          <p:cNvPr id="9" name="TextBox 8"/>
           <p:cNvSpPr txBox="1"/>
           <p:nvPr/>
         </p:nvSpPr>
         <p:spPr>
           <a:xfrm>
-            <a:off x="5032805" y="2922929"/>
-            <a:ext cx="1125947" cy="646331"/>
+            <a:off x="228700" y="4220893"/>
+            <a:ext cx="634469" cy="369332"/>
           </a:xfrm>
           <a:prstGeom prst="rect">
             <a:avLst/>
@@ -13043,22 +12908,14 @@
           <a:noFill/>
         </p:spPr>
         <p:txBody>
-          <a:bodyPr wrap="square" rtlCol="0">
+          <a:bodyPr wrap="none" rtlCol="0">
             <a:spAutoFit/>
           </a:bodyPr>
           <a:lstStyle/>
           <a:p>
             <a:r>
               <a:rPr lang="en-US" dirty="0" smtClean="0"/>
-              <a:t>Directory of </a:t>
-            </a:r>
-            <a:r>
-              <a:rPr lang="en-US" dirty="0" err="1" smtClean="0"/>
-              <a:t>srt</a:t>
-            </a:r>
-            <a:r>
-              <a:rPr lang="en-US" dirty="0" smtClean="0"/>
-              <a:t> file</a:t>
+              <a:t>after</a:t>
             </a:r>
             <a:endParaRPr lang="en-US" dirty="0"/>
           </a:p>
@@ -13066,180 +12923,13 @@
       </p:sp>
       <p:sp>
         <p:nvSpPr>
-          <p:cNvPr id="9" name="Rectangle 8"/>
-          <p:cNvSpPr/>
-          <p:nvPr/>
-        </p:nvSpPr>
-        <p:spPr>
-          <a:xfrm>
-            <a:off x="6327629" y="2922928"/>
-            <a:ext cx="1093550" cy="646331"/>
-          </a:xfrm>
-          <a:prstGeom prst="rect">
-            <a:avLst/>
-          </a:prstGeom>
-        </p:spPr>
-        <p:txBody>
-          <a:bodyPr wrap="square">
-            <a:spAutoFit/>
-          </a:bodyPr>
-          <a:lstStyle/>
-          <a:p>
-            <a:r>
-              <a:rPr lang="en-US" dirty="0" err="1" smtClean="0"/>
-              <a:t>Eng</a:t>
-            </a:r>
-            <a:r>
-              <a:rPr lang="en-US" dirty="0" smtClean="0"/>
-              <a:t> </a:t>
-            </a:r>
-            <a:r>
-              <a:rPr lang="en-US" dirty="0" err="1"/>
-              <a:t>s</a:t>
-            </a:r>
-            <a:r>
-              <a:rPr lang="en-US" dirty="0" err="1" smtClean="0"/>
-              <a:t>rt</a:t>
-            </a:r>
-            <a:r>
-              <a:rPr lang="en-US" dirty="0" smtClean="0"/>
-              <a:t> filename</a:t>
-            </a:r>
-            <a:endParaRPr lang="en-US" dirty="0"/>
-          </a:p>
-        </p:txBody>
-      </p:sp>
-      <p:sp>
-        <p:nvSpPr>
-          <p:cNvPr id="10" name="Rectangle 9"/>
-          <p:cNvSpPr/>
-          <p:nvPr/>
-        </p:nvSpPr>
-        <p:spPr>
-          <a:xfrm>
-            <a:off x="7789281" y="2922928"/>
-            <a:ext cx="1093550" cy="646331"/>
-          </a:xfrm>
-          <a:prstGeom prst="rect">
-            <a:avLst/>
-          </a:prstGeom>
-        </p:spPr>
-        <p:txBody>
-          <a:bodyPr wrap="square">
-            <a:spAutoFit/>
-          </a:bodyPr>
-          <a:lstStyle/>
-          <a:p>
-            <a:r>
-              <a:rPr lang="en-US" dirty="0" err="1" smtClean="0"/>
-              <a:t>Jp</a:t>
-            </a:r>
-            <a:r>
-              <a:rPr lang="en-US" dirty="0" smtClean="0"/>
-              <a:t> </a:t>
-            </a:r>
-            <a:r>
-              <a:rPr lang="en-US" dirty="0" err="1"/>
-              <a:t>s</a:t>
-            </a:r>
-            <a:r>
-              <a:rPr lang="en-US" dirty="0" err="1" smtClean="0"/>
-              <a:t>rt</a:t>
-            </a:r>
-            <a:r>
-              <a:rPr lang="en-US" dirty="0" smtClean="0"/>
-              <a:t> filename</a:t>
-            </a:r>
-            <a:endParaRPr lang="en-US" dirty="0"/>
-          </a:p>
-        </p:txBody>
-      </p:sp>
-      <p:sp>
-        <p:nvSpPr>
-          <p:cNvPr id="12" name="Rectangle 11"/>
-          <p:cNvSpPr/>
-          <p:nvPr/>
-        </p:nvSpPr>
-        <p:spPr>
-          <a:xfrm>
-            <a:off x="5045737" y="2287677"/>
-            <a:ext cx="3664763" cy="1861614"/>
-          </a:xfrm>
-          <a:prstGeom prst="rect">
-            <a:avLst/>
-          </a:prstGeom>
-          <a:noFill/>
-        </p:spPr>
-        <p:style>
-          <a:lnRef idx="2">
-            <a:schemeClr val="accent1">
-              <a:shade val="50000"/>
-            </a:schemeClr>
-          </a:lnRef>
-          <a:fillRef idx="1">
-            <a:schemeClr val="accent1"/>
-          </a:fillRef>
-          <a:effectRef idx="0">
-            <a:schemeClr val="accent1"/>
-          </a:effectRef>
-          <a:fontRef idx="minor">
-            <a:schemeClr val="lt1"/>
-          </a:fontRef>
-        </p:style>
-        <p:txBody>
-          <a:bodyPr rtlCol="0" anchor="ctr"/>
-          <a:lstStyle/>
-          <a:p>
-            <a:pPr algn="ctr"/>
-            <a:endParaRPr lang="en-US" sz="2800" b="1" dirty="0" smtClean="0">
-              <a:solidFill>
-                <a:srgbClr val="FF0000"/>
-              </a:solidFill>
-            </a:endParaRPr>
-          </a:p>
-          <a:p>
-            <a:pPr algn="ctr"/>
-            <a:endParaRPr lang="en-US" sz="2800" b="1" dirty="0">
-              <a:solidFill>
-                <a:srgbClr val="FF0000"/>
-              </a:solidFill>
-            </a:endParaRPr>
-          </a:p>
-          <a:p>
-            <a:pPr algn="ctr"/>
-            <a:endParaRPr lang="en-US" sz="2800" b="1" dirty="0">
-              <a:solidFill>
-                <a:srgbClr val="FF0000"/>
-              </a:solidFill>
-            </a:endParaRPr>
-          </a:p>
-          <a:p>
-            <a:pPr algn="ctr"/>
-            <a:r>
-              <a:rPr lang="en-US" sz="2800" b="1" dirty="0" smtClean="0">
-                <a:solidFill>
-                  <a:srgbClr val="FF0000"/>
-                </a:solidFill>
-              </a:rPr>
-              <a:t>Optional</a:t>
-            </a:r>
-            <a:endParaRPr lang="en-US" sz="2800" b="1" dirty="0">
-              <a:solidFill>
-                <a:srgbClr val="FF0000"/>
-              </a:solidFill>
-            </a:endParaRPr>
-          </a:p>
-        </p:txBody>
-      </p:sp>
-      <p:sp>
-        <p:nvSpPr>
-          <p:cNvPr id="13" name="TextBox 12"/>
+          <p:cNvPr id="10" name="TextBox 9"/>
           <p:cNvSpPr txBox="1"/>
           <p:nvPr/>
         </p:nvSpPr>
         <p:spPr>
           <a:xfrm>
-            <a:off x="4873406" y="1370889"/>
+            <a:off x="6260971" y="880738"/>
             <a:ext cx="2303857" cy="646331"/>
           </a:xfrm>
           <a:prstGeom prst="rect">
@@ -13264,7 +12954,7 @@
             </a:r>
             <a:r>
               <a:rPr lang="en-US" dirty="0" err="1" smtClean="0"/>
-              <a:t>video_source</a:t>
+              <a:t>text_source</a:t>
             </a:r>
             <a:r>
               <a:rPr lang="en-US" dirty="0" smtClean="0"/>
@@ -13276,15 +12966,15 @@
       </p:sp>
       <p:cxnSp>
         <p:nvCxnSpPr>
-          <p:cNvPr id="14" name="Straight Arrow Connector 13"/>
+          <p:cNvPr id="12" name="Straight Arrow Connector 11"/>
           <p:cNvCxnSpPr>
-            <a:endCxn id="13" idx="2"/>
+            <a:endCxn id="10" idx="2"/>
           </p:cNvCxnSpPr>
           <p:nvPr/>
         </p:nvCxnSpPr>
         <p:spPr>
           <a:xfrm flipV="1">
-            <a:off x="5497329" y="2017220"/>
+            <a:off x="6884894" y="1527069"/>
             <a:ext cx="528006" cy="965319"/>
           </a:xfrm>
           <a:prstGeom prst="straightConnector1">
@@ -13309,48 +12999,10 @@
           </a:fontRef>
         </p:style>
       </p:cxnSp>
-      <p:sp>
-        <p:nvSpPr>
-          <p:cNvPr id="15" name="TextBox 14"/>
-          <p:cNvSpPr txBox="1"/>
-          <p:nvPr/>
-        </p:nvSpPr>
-        <p:spPr>
-          <a:xfrm>
-            <a:off x="3487865" y="2922927"/>
-            <a:ext cx="1035793" cy="646331"/>
-          </a:xfrm>
-          <a:prstGeom prst="rect">
-            <a:avLst/>
-          </a:prstGeom>
-          <a:noFill/>
-        </p:spPr>
-        <p:txBody>
-          <a:bodyPr wrap="square" rtlCol="0">
-            <a:spAutoFit/>
-          </a:bodyPr>
-          <a:lstStyle/>
-          <a:p>
-            <a:r>
-              <a:rPr lang="en-US" dirty="0" err="1" smtClean="0"/>
-              <a:t>Youtube</a:t>
-            </a:r>
-            <a:r>
-              <a:rPr lang="en-US" dirty="0" smtClean="0"/>
-              <a:t> </a:t>
-            </a:r>
-            <a:r>
-              <a:rPr lang="en-US" dirty="0" err="1" smtClean="0"/>
-              <a:t>url</a:t>
-            </a:r>
-            <a:endParaRPr lang="en-US" dirty="0"/>
-          </a:p>
-        </p:txBody>
-      </p:sp>
     </p:spTree>
     <p:extLst>
       <p:ext uri="{BB962C8B-B14F-4D97-AF65-F5344CB8AC3E}">
-        <p14:creationId xmlns:p14="http://schemas.microsoft.com/office/powerpoint/2010/main" val="1620973949"/>
+        <p14:creationId xmlns:p14="http://schemas.microsoft.com/office/powerpoint/2010/main" val="3766350499"/>
       </p:ext>
     </p:extLst>
   </p:cSld>
@@ -13400,8 +13052,12 @@
           <a:lstStyle/>
           <a:p>
             <a:r>
+              <a:rPr lang="en-US" dirty="0"/>
+              <a:t>v</a:t>
+            </a:r>
+            <a:r>
               <a:rPr lang="en-US" dirty="0" smtClean="0"/>
-              <a:t>problem sheet</a:t>
+              <a:t>ideo sheet</a:t>
             </a:r>
             <a:endParaRPr lang="en-US" dirty="0"/>
           </a:p>
@@ -13409,7 +13065,7 @@
       </p:sp>
       <p:pic>
         <p:nvPicPr>
-          <p:cNvPr id="5" name="Content Placeholder 4"/>
+          <p:cNvPr id="4" name="Content Placeholder 3"/>
           <p:cNvPicPr>
             <a:picLocks noGrp="1" noChangeAspect="1"/>
           </p:cNvPicPr>
@@ -13425,8 +13081,8 @@
         </p:blipFill>
         <p:spPr>
           <a:xfrm>
-            <a:off x="141184" y="4705695"/>
-            <a:ext cx="8752861" cy="1950899"/>
+            <a:off x="628650" y="4743863"/>
+            <a:ext cx="7886700" cy="1849731"/>
           </a:xfrm>
           <a:prstGeom prst="rect">
             <a:avLst/>
@@ -13435,13 +13091,13 @@
       </p:pic>
       <p:sp>
         <p:nvSpPr>
-          <p:cNvPr id="6" name="TextBox 5"/>
+          <p:cNvPr id="5" name="TextBox 4"/>
           <p:cNvSpPr txBox="1"/>
           <p:nvPr/>
         </p:nvSpPr>
         <p:spPr>
           <a:xfrm>
-            <a:off x="503144" y="4167105"/>
+            <a:off x="712794" y="4211928"/>
             <a:ext cx="634469" cy="369332"/>
           </a:xfrm>
           <a:prstGeom prst="rect">
@@ -13465,7 +13121,7 @@
       </p:sp>
       <p:pic>
         <p:nvPicPr>
-          <p:cNvPr id="9" name="Picture 8"/>
+          <p:cNvPr id="6" name="Picture 5"/>
           <p:cNvPicPr>
             <a:picLocks noChangeAspect="1"/>
           </p:cNvPicPr>
@@ -13479,8 +13135,8 @@
         </p:blipFill>
         <p:spPr>
           <a:xfrm>
-            <a:off x="141184" y="2440082"/>
-            <a:ext cx="8861631" cy="1228660"/>
+            <a:off x="252132" y="2487445"/>
+            <a:ext cx="8458368" cy="1722505"/>
           </a:xfrm>
           <a:prstGeom prst="rect">
             <a:avLst/>
@@ -13489,13 +13145,13 @@
       </p:pic>
       <p:sp>
         <p:nvSpPr>
-          <p:cNvPr id="10" name="TextBox 9"/>
+          <p:cNvPr id="7" name="TextBox 6"/>
           <p:cNvSpPr txBox="1"/>
           <p:nvPr/>
         </p:nvSpPr>
         <p:spPr>
           <a:xfrm>
-            <a:off x="228700" y="1941719"/>
+            <a:off x="314885" y="1918345"/>
             <a:ext cx="799899" cy="369332"/>
           </a:xfrm>
           <a:prstGeom prst="rect">
@@ -13519,14 +13175,14 @@
       </p:sp>
       <p:sp>
         <p:nvSpPr>
-          <p:cNvPr id="11" name="TextBox 10"/>
+          <p:cNvPr id="8" name="TextBox 7"/>
           <p:cNvSpPr txBox="1"/>
           <p:nvPr/>
         </p:nvSpPr>
         <p:spPr>
           <a:xfrm>
-            <a:off x="3816585" y="2579446"/>
-            <a:ext cx="1018370" cy="523220"/>
+            <a:off x="5032805" y="2922929"/>
+            <a:ext cx="1125947" cy="646331"/>
           </a:xfrm>
           <a:prstGeom prst="rect">
             <a:avLst/>
@@ -13540,10 +13196,108 @@
           <a:lstStyle/>
           <a:p>
             <a:r>
-              <a:rPr lang="en-US" sz="1400" dirty="0" smtClean="0"/>
-              <a:t>Directory of excel file</a:t>
-            </a:r>
-            <a:endParaRPr lang="en-US" sz="1400" dirty="0"/>
+              <a:rPr lang="en-US" dirty="0" smtClean="0"/>
+              <a:t>Directory of </a:t>
+            </a:r>
+            <a:r>
+              <a:rPr lang="en-US" dirty="0" err="1" smtClean="0"/>
+              <a:t>srt</a:t>
+            </a:r>
+            <a:r>
+              <a:rPr lang="en-US" dirty="0" smtClean="0"/>
+              <a:t> file</a:t>
+            </a:r>
+            <a:endParaRPr lang="en-US" dirty="0"/>
+          </a:p>
+        </p:txBody>
+      </p:sp>
+      <p:sp>
+        <p:nvSpPr>
+          <p:cNvPr id="9" name="Rectangle 8"/>
+          <p:cNvSpPr/>
+          <p:nvPr/>
+        </p:nvSpPr>
+        <p:spPr>
+          <a:xfrm>
+            <a:off x="6327629" y="2922928"/>
+            <a:ext cx="1093550" cy="646331"/>
+          </a:xfrm>
+          <a:prstGeom prst="rect">
+            <a:avLst/>
+          </a:prstGeom>
+        </p:spPr>
+        <p:txBody>
+          <a:bodyPr wrap="square">
+            <a:spAutoFit/>
+          </a:bodyPr>
+          <a:lstStyle/>
+          <a:p>
+            <a:r>
+              <a:rPr lang="en-US" dirty="0" err="1" smtClean="0"/>
+              <a:t>Eng</a:t>
+            </a:r>
+            <a:r>
+              <a:rPr lang="en-US" dirty="0" smtClean="0"/>
+              <a:t> </a:t>
+            </a:r>
+            <a:r>
+              <a:rPr lang="en-US" dirty="0" err="1"/>
+              <a:t>s</a:t>
+            </a:r>
+            <a:r>
+              <a:rPr lang="en-US" dirty="0" err="1" smtClean="0"/>
+              <a:t>rt</a:t>
+            </a:r>
+            <a:r>
+              <a:rPr lang="en-US" dirty="0" smtClean="0"/>
+              <a:t> filename</a:t>
+            </a:r>
+            <a:endParaRPr lang="en-US" dirty="0"/>
+          </a:p>
+        </p:txBody>
+      </p:sp>
+      <p:sp>
+        <p:nvSpPr>
+          <p:cNvPr id="10" name="Rectangle 9"/>
+          <p:cNvSpPr/>
+          <p:nvPr/>
+        </p:nvSpPr>
+        <p:spPr>
+          <a:xfrm>
+            <a:off x="7789281" y="2922928"/>
+            <a:ext cx="1093550" cy="646331"/>
+          </a:xfrm>
+          <a:prstGeom prst="rect">
+            <a:avLst/>
+          </a:prstGeom>
+        </p:spPr>
+        <p:txBody>
+          <a:bodyPr wrap="square">
+            <a:spAutoFit/>
+          </a:bodyPr>
+          <a:lstStyle/>
+          <a:p>
+            <a:r>
+              <a:rPr lang="en-US" dirty="0" err="1" smtClean="0"/>
+              <a:t>Jp</a:t>
+            </a:r>
+            <a:r>
+              <a:rPr lang="en-US" dirty="0" smtClean="0"/>
+              <a:t> </a:t>
+            </a:r>
+            <a:r>
+              <a:rPr lang="en-US" dirty="0" err="1"/>
+              <a:t>s</a:t>
+            </a:r>
+            <a:r>
+              <a:rPr lang="en-US" dirty="0" err="1" smtClean="0"/>
+              <a:t>rt</a:t>
+            </a:r>
+            <a:r>
+              <a:rPr lang="en-US" dirty="0" smtClean="0"/>
+              <a:t> filename</a:t>
+            </a:r>
+            <a:endParaRPr lang="en-US" dirty="0"/>
           </a:p>
         </p:txBody>
       </p:sp>
@@ -13555,27 +13309,72 @@
         </p:nvSpPr>
         <p:spPr>
           <a:xfrm>
-            <a:off x="4678529" y="3061973"/>
-            <a:ext cx="1093550" cy="584775"/>
+            <a:off x="5045737" y="2287677"/>
+            <a:ext cx="3664763" cy="1861614"/>
           </a:xfrm>
           <a:prstGeom prst="rect">
             <a:avLst/>
           </a:prstGeom>
-        </p:spPr>
-        <p:txBody>
-          <a:bodyPr wrap="square">
-            <a:spAutoFit/>
-          </a:bodyPr>
-          <a:lstStyle/>
-          <a:p>
-            <a:r>
-              <a:rPr lang="en-US" sz="1600" dirty="0" smtClean="0"/>
-              <a:t>excel </a:t>
-            </a:r>
-            <a:r>
-              <a:rPr lang="en-US" sz="1600" dirty="0"/>
-              <a:t>filename</a:t>
-            </a:r>
+          <a:noFill/>
+        </p:spPr>
+        <p:style>
+          <a:lnRef idx="2">
+            <a:schemeClr val="accent1">
+              <a:shade val="50000"/>
+            </a:schemeClr>
+          </a:lnRef>
+          <a:fillRef idx="1">
+            <a:schemeClr val="accent1"/>
+          </a:fillRef>
+          <a:effectRef idx="0">
+            <a:schemeClr val="accent1"/>
+          </a:effectRef>
+          <a:fontRef idx="minor">
+            <a:schemeClr val="lt1"/>
+          </a:fontRef>
+        </p:style>
+        <p:txBody>
+          <a:bodyPr rtlCol="0" anchor="ctr"/>
+          <a:lstStyle/>
+          <a:p>
+            <a:pPr algn="ctr"/>
+            <a:endParaRPr lang="en-US" sz="2800" b="1" dirty="0" smtClean="0">
+              <a:solidFill>
+                <a:srgbClr val="FF0000"/>
+              </a:solidFill>
+            </a:endParaRPr>
+          </a:p>
+          <a:p>
+            <a:pPr algn="ctr"/>
+            <a:endParaRPr lang="en-US" sz="2800" b="1" dirty="0">
+              <a:solidFill>
+                <a:srgbClr val="FF0000"/>
+              </a:solidFill>
+            </a:endParaRPr>
+          </a:p>
+          <a:p>
+            <a:pPr algn="ctr"/>
+            <a:endParaRPr lang="en-US" sz="2800" b="1" dirty="0">
+              <a:solidFill>
+                <a:srgbClr val="FF0000"/>
+              </a:solidFill>
+            </a:endParaRPr>
+          </a:p>
+          <a:p>
+            <a:pPr algn="ctr"/>
+            <a:r>
+              <a:rPr lang="en-US" sz="2800" b="1" dirty="0" smtClean="0">
+                <a:solidFill>
+                  <a:srgbClr val="FF0000"/>
+                </a:solidFill>
+              </a:rPr>
+              <a:t>Optional</a:t>
+            </a:r>
+            <a:endParaRPr lang="en-US" sz="2800" b="1" dirty="0">
+              <a:solidFill>
+                <a:srgbClr val="FF0000"/>
+              </a:solidFill>
+            </a:endParaRPr>
           </a:p>
         </p:txBody>
       </p:sp>
@@ -13587,7 +13386,7 @@
         </p:nvSpPr>
         <p:spPr>
           <a:xfrm>
-            <a:off x="3885324" y="945460"/>
+            <a:off x="4873406" y="1370889"/>
             <a:ext cx="2303857" cy="646331"/>
           </a:xfrm>
           <a:prstGeom prst="rect">
@@ -13612,7 +13411,7 @@
             </a:r>
             <a:r>
               <a:rPr lang="en-US" dirty="0" err="1" smtClean="0"/>
-              <a:t>text_source</a:t>
+              <a:t>video_source</a:t>
             </a:r>
             <a:r>
               <a:rPr lang="en-US" dirty="0" smtClean="0"/>
@@ -13632,7 +13431,7 @@
         </p:nvCxnSpPr>
         <p:spPr>
           <a:xfrm flipV="1">
-            <a:off x="4509247" y="1591791"/>
+            <a:off x="5497329" y="2017220"/>
             <a:ext cx="528006" cy="965319"/>
           </a:xfrm>
           <a:prstGeom prst="straightConnector1">
@@ -13659,43 +13458,14 @@
       </p:cxnSp>
       <p:sp>
         <p:nvSpPr>
-          <p:cNvPr id="15" name="Rectangle 14"/>
-          <p:cNvSpPr/>
-          <p:nvPr/>
-        </p:nvSpPr>
-        <p:spPr>
-          <a:xfrm>
-            <a:off x="5453979" y="2579446"/>
-            <a:ext cx="1153570" cy="584775"/>
-          </a:xfrm>
-          <a:prstGeom prst="rect">
-            <a:avLst/>
-          </a:prstGeom>
-        </p:spPr>
-        <p:txBody>
-          <a:bodyPr wrap="square">
-            <a:spAutoFit/>
-          </a:bodyPr>
-          <a:lstStyle/>
-          <a:p>
-            <a:r>
-              <a:rPr lang="en-US" sz="1600" dirty="0" smtClean="0"/>
-              <a:t>excel sheet name</a:t>
-            </a:r>
-            <a:endParaRPr lang="en-US" sz="1600" dirty="0"/>
-          </a:p>
-        </p:txBody>
-      </p:sp>
-      <p:sp>
-        <p:nvSpPr>
-          <p:cNvPr id="16" name="TextBox 15"/>
+          <p:cNvPr id="15" name="TextBox 14"/>
           <p:cNvSpPr txBox="1"/>
           <p:nvPr/>
         </p:nvSpPr>
         <p:spPr>
           <a:xfrm>
-            <a:off x="7601597" y="1753966"/>
-            <a:ext cx="1292448" cy="646331"/>
+            <a:off x="3487865" y="2922927"/>
+            <a:ext cx="1035793" cy="646331"/>
           </a:xfrm>
           <a:prstGeom prst="rect">
             <a:avLst/>
@@ -13709,21 +13479,25 @@
           <a:lstStyle/>
           <a:p>
             <a:r>
+              <a:rPr lang="en-US" dirty="0" err="1" smtClean="0"/>
+              <a:t>Youtube</a:t>
+            </a:r>
+            <a:r>
               <a:rPr lang="en-US" dirty="0" smtClean="0"/>
-              <a:t>Type of assessment</a:t>
-            </a:r>
-            <a:endParaRPr lang="en-US" dirty="0">
-              <a:solidFill>
-                <a:srgbClr val="FF0000"/>
-              </a:solidFill>
-            </a:endParaRPr>
+              <a:t> </a:t>
+            </a:r>
+            <a:r>
+              <a:rPr lang="en-US" dirty="0" err="1" smtClean="0"/>
+              <a:t>url</a:t>
+            </a:r>
+            <a:endParaRPr lang="en-US" dirty="0"/>
           </a:p>
         </p:txBody>
       </p:sp>
     </p:spTree>
     <p:extLst>
       <p:ext uri="{BB962C8B-B14F-4D97-AF65-F5344CB8AC3E}">
-        <p14:creationId xmlns:p14="http://schemas.microsoft.com/office/powerpoint/2010/main" val="3395819663"/>
+        <p14:creationId xmlns:p14="http://schemas.microsoft.com/office/powerpoint/2010/main" val="1620973949"/>
       </p:ext>
     </p:extLst>
   </p:cSld>
@@ -13772,53 +13546,331 @@
           <a:bodyPr/>
           <a:lstStyle/>
           <a:p>
-            <a:endParaRPr lang="en-US"/>
-          </a:p>
-        </p:txBody>
-      </p:sp>
-      <p:sp>
-        <p:nvSpPr>
-          <p:cNvPr id="3" name="Content Placeholder 2"/>
-          <p:cNvSpPr>
-            <a:spLocks noGrp="1"/>
-          </p:cNvSpPr>
+            <a:r>
+              <a:rPr lang="en-US" dirty="0" smtClean="0"/>
+              <a:t>problem sheet</a:t>
+            </a:r>
+            <a:endParaRPr lang="en-US" dirty="0"/>
+          </a:p>
+        </p:txBody>
+      </p:sp>
+      <p:pic>
+        <p:nvPicPr>
+          <p:cNvPr id="5" name="Content Placeholder 4"/>
+          <p:cNvPicPr>
+            <a:picLocks noGrp="1" noChangeAspect="1"/>
+          </p:cNvPicPr>
           <p:nvPr>
             <p:ph idx="1"/>
           </p:nvPr>
-        </p:nvSpPr>
-        <p:spPr/>
-        <p:txBody>
-          <a:bodyPr>
-            <a:normAutofit/>
+        </p:nvPicPr>
+        <p:blipFill>
+          <a:blip r:embed="rId2"/>
+          <a:stretch>
+            <a:fillRect/>
+          </a:stretch>
+        </p:blipFill>
+        <p:spPr>
+          <a:xfrm>
+            <a:off x="141184" y="4705695"/>
+            <a:ext cx="8752861" cy="1950899"/>
+          </a:xfrm>
+          <a:prstGeom prst="rect">
+            <a:avLst/>
+          </a:prstGeom>
+        </p:spPr>
+      </p:pic>
+      <p:sp>
+        <p:nvSpPr>
+          <p:cNvPr id="6" name="TextBox 5"/>
+          <p:cNvSpPr txBox="1"/>
+          <p:nvPr/>
+        </p:nvSpPr>
+        <p:spPr>
+          <a:xfrm>
+            <a:off x="503144" y="4167105"/>
+            <a:ext cx="634469" cy="369332"/>
+          </a:xfrm>
+          <a:prstGeom prst="rect">
+            <a:avLst/>
+          </a:prstGeom>
+          <a:noFill/>
+        </p:spPr>
+        <p:txBody>
+          <a:bodyPr wrap="none" rtlCol="0">
+            <a:spAutoFit/>
           </a:bodyPr>
           <a:lstStyle/>
           <a:p>
-            <a:pPr algn="ctr"/>
-            <a:endParaRPr lang="en-US" sz="4400" dirty="0" smtClean="0"/>
-          </a:p>
-          <a:p>
-            <a:pPr algn="ctr"/>
-            <a:endParaRPr lang="en-US" sz="4400" dirty="0"/>
-          </a:p>
-          <a:p>
-            <a:pPr marL="0" indent="0" algn="ctr">
-              <a:buNone/>
-            </a:pPr>
-            <a:r>
-              <a:rPr lang="en-US" sz="4400" dirty="0"/>
-              <a:t>Built course with Python</a:t>
-            </a:r>
-          </a:p>
-          <a:p>
-            <a:pPr algn="ctr"/>
-            <a:endParaRPr lang="en-US" sz="4400" dirty="0"/>
+            <a:r>
+              <a:rPr lang="en-US" dirty="0" smtClean="0"/>
+              <a:t>after</a:t>
+            </a:r>
+            <a:endParaRPr lang="en-US" dirty="0"/>
+          </a:p>
+        </p:txBody>
+      </p:sp>
+      <p:pic>
+        <p:nvPicPr>
+          <p:cNvPr id="9" name="Picture 8"/>
+          <p:cNvPicPr>
+            <a:picLocks noChangeAspect="1"/>
+          </p:cNvPicPr>
+          <p:nvPr/>
+        </p:nvPicPr>
+        <p:blipFill>
+          <a:blip r:embed="rId3"/>
+          <a:stretch>
+            <a:fillRect/>
+          </a:stretch>
+        </p:blipFill>
+        <p:spPr>
+          <a:xfrm>
+            <a:off x="141184" y="2440082"/>
+            <a:ext cx="8861631" cy="1228660"/>
+          </a:xfrm>
+          <a:prstGeom prst="rect">
+            <a:avLst/>
+          </a:prstGeom>
+        </p:spPr>
+      </p:pic>
+      <p:sp>
+        <p:nvSpPr>
+          <p:cNvPr id="10" name="TextBox 9"/>
+          <p:cNvSpPr txBox="1"/>
+          <p:nvPr/>
+        </p:nvSpPr>
+        <p:spPr>
+          <a:xfrm>
+            <a:off x="228700" y="1941719"/>
+            <a:ext cx="799899" cy="369332"/>
+          </a:xfrm>
+          <a:prstGeom prst="rect">
+            <a:avLst/>
+          </a:prstGeom>
+          <a:noFill/>
+        </p:spPr>
+        <p:txBody>
+          <a:bodyPr wrap="none" rtlCol="0">
+            <a:spAutoFit/>
+          </a:bodyPr>
+          <a:lstStyle/>
+          <a:p>
+            <a:r>
+              <a:rPr lang="en-US" dirty="0" smtClean="0"/>
+              <a:t>before</a:t>
+            </a:r>
+            <a:endParaRPr lang="en-US" dirty="0"/>
+          </a:p>
+        </p:txBody>
+      </p:sp>
+      <p:sp>
+        <p:nvSpPr>
+          <p:cNvPr id="11" name="TextBox 10"/>
+          <p:cNvSpPr txBox="1"/>
+          <p:nvPr/>
+        </p:nvSpPr>
+        <p:spPr>
+          <a:xfrm>
+            <a:off x="3816585" y="2579446"/>
+            <a:ext cx="1018370" cy="523220"/>
+          </a:xfrm>
+          <a:prstGeom prst="rect">
+            <a:avLst/>
+          </a:prstGeom>
+          <a:noFill/>
+        </p:spPr>
+        <p:txBody>
+          <a:bodyPr wrap="square" rtlCol="0">
+            <a:spAutoFit/>
+          </a:bodyPr>
+          <a:lstStyle/>
+          <a:p>
+            <a:r>
+              <a:rPr lang="en-US" sz="1400" dirty="0" smtClean="0"/>
+              <a:t>Directory of excel file</a:t>
+            </a:r>
+            <a:endParaRPr lang="en-US" sz="1400" dirty="0"/>
+          </a:p>
+        </p:txBody>
+      </p:sp>
+      <p:sp>
+        <p:nvSpPr>
+          <p:cNvPr id="12" name="Rectangle 11"/>
+          <p:cNvSpPr/>
+          <p:nvPr/>
+        </p:nvSpPr>
+        <p:spPr>
+          <a:xfrm>
+            <a:off x="4678529" y="3061973"/>
+            <a:ext cx="1093550" cy="584775"/>
+          </a:xfrm>
+          <a:prstGeom prst="rect">
+            <a:avLst/>
+          </a:prstGeom>
+        </p:spPr>
+        <p:txBody>
+          <a:bodyPr wrap="square">
+            <a:spAutoFit/>
+          </a:bodyPr>
+          <a:lstStyle/>
+          <a:p>
+            <a:r>
+              <a:rPr lang="en-US" sz="1600" dirty="0" smtClean="0"/>
+              <a:t>excel </a:t>
+            </a:r>
+            <a:r>
+              <a:rPr lang="en-US" sz="1600" dirty="0"/>
+              <a:t>filename</a:t>
+            </a:r>
+          </a:p>
+        </p:txBody>
+      </p:sp>
+      <p:sp>
+        <p:nvSpPr>
+          <p:cNvPr id="13" name="TextBox 12"/>
+          <p:cNvSpPr txBox="1"/>
+          <p:nvPr/>
+        </p:nvSpPr>
+        <p:spPr>
+          <a:xfrm>
+            <a:off x="3885324" y="945460"/>
+            <a:ext cx="2303857" cy="646331"/>
+          </a:xfrm>
+          <a:prstGeom prst="rect">
+            <a:avLst/>
+          </a:prstGeom>
+          <a:noFill/>
+          <a:ln>
+            <a:solidFill>
+              <a:srgbClr val="FF0000"/>
+            </a:solidFill>
+          </a:ln>
+        </p:spPr>
+        <p:txBody>
+          <a:bodyPr wrap="square" rtlCol="0">
+            <a:spAutoFit/>
+          </a:bodyPr>
+          <a:lstStyle/>
+          <a:p>
+            <a:r>
+              <a:rPr lang="en-US" dirty="0" smtClean="0"/>
+              <a:t>Directory inside </a:t>
+            </a:r>
+            <a:r>
+              <a:rPr lang="en-US" dirty="0" err="1" smtClean="0"/>
+              <a:t>text_source</a:t>
+            </a:r>
+            <a:r>
+              <a:rPr lang="en-US" dirty="0" smtClean="0"/>
+              <a:t> folder</a:t>
+            </a:r>
+            <a:endParaRPr lang="en-US" dirty="0"/>
+          </a:p>
+        </p:txBody>
+      </p:sp>
+      <p:cxnSp>
+        <p:nvCxnSpPr>
+          <p:cNvPr id="14" name="Straight Arrow Connector 13"/>
+          <p:cNvCxnSpPr>
+            <a:endCxn id="13" idx="2"/>
+          </p:cNvCxnSpPr>
+          <p:nvPr/>
+        </p:nvCxnSpPr>
+        <p:spPr>
+          <a:xfrm flipV="1">
+            <a:off x="4509247" y="1591791"/>
+            <a:ext cx="528006" cy="965319"/>
+          </a:xfrm>
+          <a:prstGeom prst="straightConnector1">
+            <a:avLst/>
+          </a:prstGeom>
+          <a:ln>
+            <a:tailEnd type="triangle"/>
+          </a:ln>
+        </p:spPr>
+        <p:style>
+          <a:lnRef idx="1">
+            <a:schemeClr val="accent1"/>
+          </a:lnRef>
+          <a:fillRef idx="0">
+            <a:schemeClr val="accent1"/>
+          </a:fillRef>
+          <a:effectRef idx="0">
+            <a:schemeClr val="accent1"/>
+          </a:effectRef>
+          <a:fontRef idx="minor">
+            <a:schemeClr val="tx1"/>
+          </a:fontRef>
+        </p:style>
+      </p:cxnSp>
+      <p:sp>
+        <p:nvSpPr>
+          <p:cNvPr id="15" name="Rectangle 14"/>
+          <p:cNvSpPr/>
+          <p:nvPr/>
+        </p:nvSpPr>
+        <p:spPr>
+          <a:xfrm>
+            <a:off x="5453979" y="2579446"/>
+            <a:ext cx="1153570" cy="584775"/>
+          </a:xfrm>
+          <a:prstGeom prst="rect">
+            <a:avLst/>
+          </a:prstGeom>
+        </p:spPr>
+        <p:txBody>
+          <a:bodyPr wrap="square">
+            <a:spAutoFit/>
+          </a:bodyPr>
+          <a:lstStyle/>
+          <a:p>
+            <a:r>
+              <a:rPr lang="en-US" sz="1600" dirty="0" smtClean="0"/>
+              <a:t>excel sheet name</a:t>
+            </a:r>
+            <a:endParaRPr lang="en-US" sz="1600" dirty="0"/>
+          </a:p>
+        </p:txBody>
+      </p:sp>
+      <p:sp>
+        <p:nvSpPr>
+          <p:cNvPr id="16" name="TextBox 15"/>
+          <p:cNvSpPr txBox="1"/>
+          <p:nvPr/>
+        </p:nvSpPr>
+        <p:spPr>
+          <a:xfrm>
+            <a:off x="7601597" y="1753966"/>
+            <a:ext cx="1292448" cy="646331"/>
+          </a:xfrm>
+          <a:prstGeom prst="rect">
+            <a:avLst/>
+          </a:prstGeom>
+          <a:noFill/>
+        </p:spPr>
+        <p:txBody>
+          <a:bodyPr wrap="square" rtlCol="0">
+            <a:spAutoFit/>
+          </a:bodyPr>
+          <a:lstStyle/>
+          <a:p>
+            <a:r>
+              <a:rPr lang="en-US" dirty="0" smtClean="0"/>
+              <a:t>Type of assessment</a:t>
+            </a:r>
+            <a:endParaRPr lang="en-US" dirty="0">
+              <a:solidFill>
+                <a:srgbClr val="FF0000"/>
+              </a:solidFill>
+            </a:endParaRPr>
           </a:p>
         </p:txBody>
       </p:sp>
     </p:spTree>
     <p:extLst>
       <p:ext uri="{BB962C8B-B14F-4D97-AF65-F5344CB8AC3E}">
-        <p14:creationId xmlns:p14="http://schemas.microsoft.com/office/powerpoint/2010/main" val="1965867977"/>
+        <p14:creationId xmlns:p14="http://schemas.microsoft.com/office/powerpoint/2010/main" val="3395819663"/>
       </p:ext>
     </p:extLst>
   </p:cSld>
@@ -13867,11 +13919,7 @@
           <a:bodyPr/>
           <a:lstStyle/>
           <a:p>
-            <a:r>
-              <a:rPr lang="en-US" dirty="0" smtClean="0"/>
-              <a:t>Course_structure.py</a:t>
-            </a:r>
-            <a:endParaRPr lang="en-US" dirty="0"/>
+            <a:endParaRPr lang="en-US"/>
           </a:p>
         </p:txBody>
       </p:sp>
@@ -13887,78 +13935,37 @@
         </p:nvSpPr>
         <p:spPr/>
         <p:txBody>
-          <a:bodyPr/>
-          <a:lstStyle/>
-          <a:p>
-            <a:r>
-              <a:rPr lang="en-US" dirty="0" smtClean="0"/>
-              <a:t>Python 3</a:t>
-            </a:r>
-          </a:p>
-          <a:p>
-            <a:endParaRPr lang="en-US" dirty="0" smtClean="0"/>
-          </a:p>
-          <a:p>
-            <a:r>
-              <a:rPr lang="en-US" dirty="0" smtClean="0"/>
-              <a:t>Test environment: Windows 10 </a:t>
-            </a:r>
-          </a:p>
-          <a:p>
-            <a:endParaRPr lang="en-US" dirty="0" smtClean="0"/>
-          </a:p>
-          <a:p>
-            <a:r>
-              <a:rPr lang="en-US" dirty="0" smtClean="0"/>
-              <a:t>Dependencies</a:t>
-            </a:r>
-          </a:p>
-          <a:p>
-            <a:pPr lvl="1"/>
-            <a:r>
-              <a:rPr lang="en-US" dirty="0" err="1" smtClean="0"/>
-              <a:t>xlrd</a:t>
-            </a:r>
-            <a:r>
-              <a:rPr lang="en-US" dirty="0" smtClean="0"/>
-              <a:t>, </a:t>
-            </a:r>
-            <a:r>
-              <a:rPr lang="en-US" dirty="0" err="1" smtClean="0"/>
-              <a:t>xlwt</a:t>
-            </a:r>
-            <a:r>
-              <a:rPr lang="en-US" dirty="0" smtClean="0"/>
-              <a:t>, </a:t>
-            </a:r>
-            <a:r>
-              <a:rPr lang="en-US" dirty="0" err="1" smtClean="0"/>
-              <a:t>lxml</a:t>
-            </a:r>
-            <a:r>
-              <a:rPr lang="en-US" dirty="0" smtClean="0"/>
-              <a:t>, </a:t>
-            </a:r>
-            <a:r>
-              <a:rPr lang="en-US" dirty="0" err="1" smtClean="0"/>
-              <a:t>pysrt</a:t>
-            </a:r>
-            <a:endParaRPr lang="en-US" dirty="0" smtClean="0"/>
-          </a:p>
-          <a:p>
-            <a:pPr lvl="1"/>
-            <a:endParaRPr lang="en-US" dirty="0"/>
-          </a:p>
-          <a:p>
-            <a:pPr lvl="1"/>
-            <a:endParaRPr lang="en-US" dirty="0" smtClean="0"/>
+          <a:bodyPr>
+            <a:normAutofit/>
+          </a:bodyPr>
+          <a:lstStyle/>
+          <a:p>
+            <a:pPr algn="ctr"/>
+            <a:endParaRPr lang="en-US" sz="4400" dirty="0" smtClean="0"/>
+          </a:p>
+          <a:p>
+            <a:pPr algn="ctr"/>
+            <a:endParaRPr lang="en-US" sz="4400" dirty="0"/>
+          </a:p>
+          <a:p>
+            <a:pPr marL="0" indent="0" algn="ctr">
+              <a:buNone/>
+            </a:pPr>
+            <a:r>
+              <a:rPr lang="en-US" sz="4400" dirty="0"/>
+              <a:t>Built course with Python</a:t>
+            </a:r>
+          </a:p>
+          <a:p>
+            <a:pPr algn="ctr"/>
+            <a:endParaRPr lang="en-US" sz="4400" dirty="0"/>
           </a:p>
         </p:txBody>
       </p:sp>
     </p:spTree>
     <p:extLst>
       <p:ext uri="{BB962C8B-B14F-4D97-AF65-F5344CB8AC3E}">
-        <p14:creationId xmlns:p14="http://schemas.microsoft.com/office/powerpoint/2010/main" val="411218887"/>
+        <p14:creationId xmlns:p14="http://schemas.microsoft.com/office/powerpoint/2010/main" val="1965867977"/>
       </p:ext>
     </p:extLst>
   </p:cSld>
@@ -14008,9 +14015,10 @@
           <a:lstStyle/>
           <a:p>
             <a:r>
-              <a:rPr lang="en-US" dirty="0"/>
+              <a:rPr lang="en-US" dirty="0" smtClean="0"/>
               <a:t>Course_structure.py</a:t>
             </a:r>
+            <a:endParaRPr lang="en-US" dirty="0"/>
           </a:p>
         </p:txBody>
       </p:sp>
@@ -14026,152 +14034,78 @@
         </p:nvSpPr>
         <p:spPr/>
         <p:txBody>
-          <a:bodyPr>
-            <a:normAutofit lnSpcReduction="10000"/>
-          </a:bodyPr>
-          <a:lstStyle/>
+          <a:bodyPr/>
+          <a:lstStyle/>
+          <a:p>
+            <a:r>
+              <a:rPr lang="en-US" dirty="0" smtClean="0"/>
+              <a:t>Python 3</a:t>
+            </a:r>
+          </a:p>
           <a:p>
             <a:endParaRPr lang="en-US" dirty="0" smtClean="0"/>
           </a:p>
           <a:p>
             <a:r>
               <a:rPr lang="en-US" dirty="0" smtClean="0"/>
-              <a:t>Run in terminal</a:t>
-            </a:r>
-          </a:p>
-          <a:p>
+              <a:t>Test environment: Windows 10 </a:t>
+            </a:r>
+          </a:p>
+          <a:p>
+            <a:endParaRPr lang="en-US" dirty="0" smtClean="0"/>
+          </a:p>
+          <a:p>
+            <a:r>
+              <a:rPr lang="en-US" dirty="0" smtClean="0"/>
+              <a:t>Dependencies</a:t>
+            </a:r>
+          </a:p>
+          <a:p>
+            <a:pPr lvl="1"/>
+            <a:r>
+              <a:rPr lang="en-US" dirty="0" err="1" smtClean="0"/>
+              <a:t>xlrd</a:t>
+            </a:r>
+            <a:r>
+              <a:rPr lang="en-US" dirty="0" smtClean="0"/>
+              <a:t>, </a:t>
+            </a:r>
+            <a:r>
+              <a:rPr lang="en-US" dirty="0" err="1" smtClean="0"/>
+              <a:t>xlwt</a:t>
+            </a:r>
+            <a:r>
+              <a:rPr lang="en-US" dirty="0" smtClean="0"/>
+              <a:t>, </a:t>
+            </a:r>
+            <a:r>
+              <a:rPr lang="en-US" dirty="0" err="1" smtClean="0"/>
+              <a:t>lxml</a:t>
+            </a:r>
+            <a:r>
+              <a:rPr lang="en-US" dirty="0" smtClean="0"/>
+              <a:t>, </a:t>
+            </a:r>
+            <a:r>
+              <a:rPr lang="en-US" dirty="0" err="1" smtClean="0"/>
+              <a:t>pysrt</a:t>
+            </a:r>
+            <a:endParaRPr lang="en-US" dirty="0" smtClean="0"/>
+          </a:p>
+          <a:p>
+            <a:pPr lvl="1"/>
             <a:endParaRPr lang="en-US" dirty="0"/>
           </a:p>
           <a:p>
+            <a:pPr lvl="1"/>
             <a:endParaRPr lang="en-US" dirty="0" smtClean="0"/>
-          </a:p>
-          <a:p>
-            <a:pPr marL="0" indent="0">
-              <a:buNone/>
-            </a:pPr>
-            <a:endParaRPr lang="en-US" dirty="0" smtClean="0"/>
-          </a:p>
-          <a:p>
-            <a:r>
-              <a:rPr lang="en-US" dirty="0" smtClean="0"/>
-              <a:t>Select tasks</a:t>
-            </a:r>
-          </a:p>
-          <a:p>
-            <a:endParaRPr lang="en-US" dirty="0"/>
-          </a:p>
-          <a:p>
-            <a:endParaRPr lang="en-US" dirty="0" smtClean="0"/>
-          </a:p>
-          <a:p>
-            <a:r>
-              <a:rPr lang="en-US" dirty="0"/>
-              <a:t>Type 1 and hit enter</a:t>
-            </a:r>
-          </a:p>
-          <a:p>
-            <a:endParaRPr lang="en-US" dirty="0" smtClean="0"/>
-          </a:p>
-          <a:p>
-            <a:endParaRPr lang="en-US" dirty="0"/>
-          </a:p>
-          <a:p>
-            <a:endParaRPr lang="en-US" dirty="0"/>
-          </a:p>
-          <a:p>
-            <a:endParaRPr lang="en-US" dirty="0" smtClean="0"/>
-          </a:p>
-          <a:p>
-            <a:endParaRPr lang="en-US" dirty="0" smtClean="0"/>
-          </a:p>
-          <a:p>
-            <a:endParaRPr lang="en-US" dirty="0" smtClean="0"/>
-          </a:p>
-          <a:p>
-            <a:endParaRPr lang="en-US" dirty="0"/>
-          </a:p>
-        </p:txBody>
-      </p:sp>
-      <p:pic>
-        <p:nvPicPr>
-          <p:cNvPr id="4" name="Picture 3"/>
-          <p:cNvPicPr>
-            <a:picLocks noChangeAspect="1"/>
-          </p:cNvPicPr>
-          <p:nvPr/>
-        </p:nvPicPr>
-        <p:blipFill rotWithShape="1">
-          <a:blip r:embed="rId2"/>
-          <a:srcRect l="72128" b="56974"/>
-          <a:stretch/>
-        </p:blipFill>
-        <p:spPr>
-          <a:xfrm>
-            <a:off x="3737038" y="2317310"/>
-            <a:ext cx="3064582" cy="610041"/>
-          </a:xfrm>
-          <a:prstGeom prst="rect">
-            <a:avLst/>
-          </a:prstGeom>
-        </p:spPr>
-      </p:pic>
-      <p:pic>
-        <p:nvPicPr>
-          <p:cNvPr id="5" name="Picture 4"/>
-          <p:cNvPicPr>
-            <a:picLocks noChangeAspect="1"/>
-          </p:cNvPicPr>
-          <p:nvPr/>
-        </p:nvPicPr>
-        <p:blipFill rotWithShape="1">
-          <a:blip r:embed="rId2"/>
-          <a:srcRect t="24474" r="70106"/>
-          <a:stretch/>
-        </p:blipFill>
-        <p:spPr>
-          <a:xfrm>
-            <a:off x="3842697" y="3726046"/>
-            <a:ext cx="3198952" cy="1042181"/>
-          </a:xfrm>
-          <a:prstGeom prst="rect">
-            <a:avLst/>
-          </a:prstGeom>
-        </p:spPr>
-      </p:pic>
-      <p:sp>
-        <p:nvSpPr>
-          <p:cNvPr id="7" name="TextBox 6"/>
-          <p:cNvSpPr txBox="1"/>
-          <p:nvPr/>
-        </p:nvSpPr>
-        <p:spPr>
-          <a:xfrm>
-            <a:off x="3171587" y="1456297"/>
-            <a:ext cx="4195483" cy="461665"/>
-          </a:xfrm>
-          <a:prstGeom prst="rect">
-            <a:avLst/>
-          </a:prstGeom>
-          <a:noFill/>
-        </p:spPr>
-        <p:txBody>
-          <a:bodyPr wrap="square" rtlCol="0">
-            <a:spAutoFit/>
-          </a:bodyPr>
-          <a:lstStyle/>
-          <a:p>
-            <a:r>
-              <a:rPr lang="en-US" sz="2400" b="1" dirty="0" smtClean="0"/>
-              <a:t>First, create course outline</a:t>
-            </a:r>
-            <a:endParaRPr lang="en-US" sz="2400" b="1" dirty="0"/>
           </a:p>
         </p:txBody>
       </p:sp>
     </p:spTree>
     <p:extLst>
       <p:ext uri="{BB962C8B-B14F-4D97-AF65-F5344CB8AC3E}">
-        <p14:creationId xmlns:p14="http://schemas.microsoft.com/office/powerpoint/2010/main" val="391918668"/>
+        <p14:creationId xmlns:p14="http://schemas.microsoft.com/office/powerpoint/2010/main" val="411218887"/>
       </p:ext>
     </p:extLst>
   </p:cSld>
@@ -14237,21 +14171,68 @@
             <p:ph idx="1"/>
           </p:nvPr>
         </p:nvSpPr>
-        <p:spPr>
-          <a:xfrm>
-            <a:off x="628650" y="1825625"/>
-            <a:ext cx="3943350" cy="4351338"/>
-          </a:xfrm>
-        </p:spPr>
-        <p:txBody>
-          <a:bodyPr/>
-          <a:lstStyle/>
+        <p:spPr/>
+        <p:txBody>
+          <a:bodyPr>
+            <a:normAutofit lnSpcReduction="10000"/>
+          </a:bodyPr>
+          <a:lstStyle/>
+          <a:p>
+            <a:endParaRPr lang="en-US" dirty="0" smtClean="0"/>
+          </a:p>
           <a:p>
             <a:r>
               <a:rPr lang="en-US" dirty="0" smtClean="0"/>
-              <a:t>Course outline are created in course folder</a:t>
-            </a:r>
+              <a:t>Run in terminal</a:t>
+            </a:r>
+          </a:p>
+          <a:p>
             <a:endParaRPr lang="en-US" dirty="0"/>
+          </a:p>
+          <a:p>
+            <a:endParaRPr lang="en-US" dirty="0" smtClean="0"/>
+          </a:p>
+          <a:p>
+            <a:pPr marL="0" indent="0">
+              <a:buNone/>
+            </a:pPr>
+            <a:endParaRPr lang="en-US" dirty="0" smtClean="0"/>
+          </a:p>
+          <a:p>
+            <a:r>
+              <a:rPr lang="en-US" dirty="0" smtClean="0"/>
+              <a:t>Select tasks</a:t>
+            </a:r>
+          </a:p>
+          <a:p>
+            <a:endParaRPr lang="en-US" dirty="0"/>
+          </a:p>
+          <a:p>
+            <a:endParaRPr lang="en-US" dirty="0" smtClean="0"/>
+          </a:p>
+          <a:p>
+            <a:r>
+              <a:rPr lang="en-US" dirty="0"/>
+              <a:t>Type 1 and hit enter</a:t>
+            </a:r>
+          </a:p>
+          <a:p>
+            <a:endParaRPr lang="en-US" dirty="0" smtClean="0"/>
+          </a:p>
+          <a:p>
+            <a:endParaRPr lang="en-US" dirty="0"/>
+          </a:p>
+          <a:p>
+            <a:endParaRPr lang="en-US" dirty="0"/>
+          </a:p>
+          <a:p>
+            <a:endParaRPr lang="en-US" dirty="0" smtClean="0"/>
+          </a:p>
+          <a:p>
+            <a:endParaRPr lang="en-US" dirty="0" smtClean="0"/>
+          </a:p>
+          <a:p>
+            <a:endParaRPr lang="en-US" dirty="0" smtClean="0"/>
           </a:p>
           <a:p>
             <a:endParaRPr lang="en-US" dirty="0"/>
@@ -14266,26 +14247,78 @@
           </p:cNvPicPr>
           <p:nvPr/>
         </p:nvPicPr>
-        <p:blipFill>
+        <p:blipFill rotWithShape="1">
           <a:blip r:embed="rId2"/>
-          <a:stretch>
-            <a:fillRect/>
-          </a:stretch>
+          <a:srcRect l="72128" b="56974"/>
+          <a:stretch/>
         </p:blipFill>
         <p:spPr>
           <a:xfrm>
-            <a:off x="4769223" y="1606907"/>
-            <a:ext cx="4190176" cy="4788773"/>
+            <a:off x="3737038" y="2317310"/>
+            <a:ext cx="3064582" cy="610041"/>
           </a:xfrm>
           <a:prstGeom prst="rect">
             <a:avLst/>
           </a:prstGeom>
         </p:spPr>
       </p:pic>
+      <p:pic>
+        <p:nvPicPr>
+          <p:cNvPr id="5" name="Picture 4"/>
+          <p:cNvPicPr>
+            <a:picLocks noChangeAspect="1"/>
+          </p:cNvPicPr>
+          <p:nvPr/>
+        </p:nvPicPr>
+        <p:blipFill rotWithShape="1">
+          <a:blip r:embed="rId2"/>
+          <a:srcRect t="24474" r="70106"/>
+          <a:stretch/>
+        </p:blipFill>
+        <p:spPr>
+          <a:xfrm>
+            <a:off x="3842697" y="3726046"/>
+            <a:ext cx="3198952" cy="1042181"/>
+          </a:xfrm>
+          <a:prstGeom prst="rect">
+            <a:avLst/>
+          </a:prstGeom>
+        </p:spPr>
+      </p:pic>
+      <p:sp>
+        <p:nvSpPr>
+          <p:cNvPr id="7" name="TextBox 6"/>
+          <p:cNvSpPr txBox="1"/>
+          <p:nvPr/>
+        </p:nvSpPr>
+        <p:spPr>
+          <a:xfrm>
+            <a:off x="3171587" y="1456297"/>
+            <a:ext cx="4195483" cy="461665"/>
+          </a:xfrm>
+          <a:prstGeom prst="rect">
+            <a:avLst/>
+          </a:prstGeom>
+          <a:noFill/>
+        </p:spPr>
+        <p:txBody>
+          <a:bodyPr wrap="square" rtlCol="0">
+            <a:spAutoFit/>
+          </a:bodyPr>
+          <a:lstStyle/>
+          <a:p>
+            <a:r>
+              <a:rPr lang="en-US" sz="2400" b="1" dirty="0" smtClean="0"/>
+              <a:t>First, create course outline</a:t>
+            </a:r>
+            <a:endParaRPr lang="en-US" sz="2400" b="1" dirty="0"/>
+          </a:p>
+        </p:txBody>
+      </p:sp>
     </p:spTree>
     <p:extLst>
       <p:ext uri="{BB962C8B-B14F-4D97-AF65-F5344CB8AC3E}">
-        <p14:creationId xmlns:p14="http://schemas.microsoft.com/office/powerpoint/2010/main" val="1444798083"/>
+        <p14:creationId xmlns:p14="http://schemas.microsoft.com/office/powerpoint/2010/main" val="391918668"/>
       </p:ext>
     </p:extLst>
   </p:cSld>
@@ -14351,6 +14384,120 @@
             <p:ph idx="1"/>
           </p:nvPr>
         </p:nvSpPr>
+        <p:spPr>
+          <a:xfrm>
+            <a:off x="628650" y="1825625"/>
+            <a:ext cx="3943350" cy="4351338"/>
+          </a:xfrm>
+        </p:spPr>
+        <p:txBody>
+          <a:bodyPr/>
+          <a:lstStyle/>
+          <a:p>
+            <a:r>
+              <a:rPr lang="en-US" dirty="0" smtClean="0"/>
+              <a:t>Course outline are created in course folder</a:t>
+            </a:r>
+            <a:endParaRPr lang="en-US" dirty="0"/>
+          </a:p>
+          <a:p>
+            <a:endParaRPr lang="en-US" dirty="0"/>
+          </a:p>
+        </p:txBody>
+      </p:sp>
+      <p:pic>
+        <p:nvPicPr>
+          <p:cNvPr id="4" name="Picture 3"/>
+          <p:cNvPicPr>
+            <a:picLocks noChangeAspect="1"/>
+          </p:cNvPicPr>
+          <p:nvPr/>
+        </p:nvPicPr>
+        <p:blipFill>
+          <a:blip r:embed="rId2"/>
+          <a:stretch>
+            <a:fillRect/>
+          </a:stretch>
+        </p:blipFill>
+        <p:spPr>
+          <a:xfrm>
+            <a:off x="4769223" y="1606907"/>
+            <a:ext cx="4190176" cy="4788773"/>
+          </a:xfrm>
+          <a:prstGeom prst="rect">
+            <a:avLst/>
+          </a:prstGeom>
+        </p:spPr>
+      </p:pic>
+    </p:spTree>
+    <p:extLst>
+      <p:ext uri="{BB962C8B-B14F-4D97-AF65-F5344CB8AC3E}">
+        <p14:creationId xmlns:p14="http://schemas.microsoft.com/office/powerpoint/2010/main" val="1444798083"/>
+      </p:ext>
+    </p:extLst>
+  </p:cSld>
+  <p:clrMapOvr>
+    <a:masterClrMapping/>
+  </p:clrMapOvr>
+  <p:timing>
+    <p:tnLst>
+      <p:par>
+        <p:cTn id="1" dur="indefinite" restart="never" nodeType="tmRoot"/>
+      </p:par>
+    </p:tnLst>
+  </p:timing>
+</p:sld>
+</file>
+
+<file path=ppt/slides/slide37.xml><?xml version="1.0" encoding="utf-8"?>
+<p:sld xmlns:a="http://schemas.openxmlformats.org/drawingml/2006/main" xmlns:r="http://schemas.openxmlformats.org/officeDocument/2006/relationships" xmlns:p="http://schemas.openxmlformats.org/presentationml/2006/main">
+  <p:cSld>
+    <p:spTree>
+      <p:nvGrpSpPr>
+        <p:cNvPr id="1" name=""/>
+        <p:cNvGrpSpPr/>
+        <p:nvPr/>
+      </p:nvGrpSpPr>
+      <p:grpSpPr>
+        <a:xfrm>
+          <a:off x="0" y="0"/>
+          <a:ext cx="0" cy="0"/>
+          <a:chOff x="0" y="0"/>
+          <a:chExt cx="0" cy="0"/>
+        </a:xfrm>
+      </p:grpSpPr>
+      <p:sp>
+        <p:nvSpPr>
+          <p:cNvPr id="2" name="Title 1"/>
+          <p:cNvSpPr>
+            <a:spLocks noGrp="1"/>
+          </p:cNvSpPr>
+          <p:nvPr>
+            <p:ph type="title"/>
+          </p:nvPr>
+        </p:nvSpPr>
+        <p:spPr/>
+        <p:txBody>
+          <a:bodyPr/>
+          <a:lstStyle/>
+          <a:p>
+            <a:r>
+              <a:rPr lang="en-US" dirty="0"/>
+              <a:t>Course_structure.py</a:t>
+            </a:r>
+          </a:p>
+        </p:txBody>
+      </p:sp>
+      <p:sp>
+        <p:nvSpPr>
+          <p:cNvPr id="3" name="Content Placeholder 2"/>
+          <p:cNvSpPr>
+            <a:spLocks noGrp="1"/>
+          </p:cNvSpPr>
+          <p:nvPr>
+            <p:ph idx="1"/>
+          </p:nvPr>
+        </p:nvSpPr>
         <p:spPr/>
         <p:txBody>
           <a:bodyPr>
@@ -14523,7 +14670,7 @@
 </p:sld>
 </file>
 
-<file path=ppt/slides/slide37.xml><?xml version="1.0" encoding="utf-8"?>
+<file path=ppt/slides/slide38.xml><?xml version="1.0" encoding="utf-8"?>
 <p:sld xmlns:a="http://schemas.openxmlformats.org/drawingml/2006/main" xmlns:r="http://schemas.openxmlformats.org/officeDocument/2006/relationships" xmlns:p="http://schemas.openxmlformats.org/presentationml/2006/main">
   <p:cSld>
     <p:spTree>
@@ -14701,7 +14848,7 @@
 </p:sld>
 </file>
 
-<file path=ppt/slides/slide38.xml><?xml version="1.0" encoding="utf-8"?>
+<file path=ppt/slides/slide39.xml><?xml version="1.0" encoding="utf-8"?>
 <p:sld xmlns:a="http://schemas.openxmlformats.org/drawingml/2006/main" xmlns:r="http://schemas.openxmlformats.org/officeDocument/2006/relationships" xmlns:p="http://schemas.openxmlformats.org/presentationml/2006/main">
   <p:cSld>
     <p:spTree>
@@ -15023,147 +15170,6 @@
       </p:par>
     </p:tnLst>
   </p:timing>
-</p:sld>
-</file>
-
-<file path=ppt/slides/slide39.xml><?xml version="1.0" encoding="utf-8"?>
-<p:sld xmlns:a="http://schemas.openxmlformats.org/drawingml/2006/main" xmlns:r="http://schemas.openxmlformats.org/officeDocument/2006/relationships" xmlns:p="http://schemas.openxmlformats.org/presentationml/2006/main">
-  <p:cSld>
-    <p:spTree>
-      <p:nvGrpSpPr>
-        <p:cNvPr id="1" name=""/>
-        <p:cNvGrpSpPr/>
-        <p:nvPr/>
-      </p:nvGrpSpPr>
-      <p:grpSpPr>
-        <a:xfrm>
-          <a:off x="0" y="0"/>
-          <a:ext cx="0" cy="0"/>
-          <a:chOff x="0" y="0"/>
-          <a:chExt cx="0" cy="0"/>
-        </a:xfrm>
-      </p:grpSpPr>
-      <p:sp>
-        <p:nvSpPr>
-          <p:cNvPr id="2" name="Title 1"/>
-          <p:cNvSpPr>
-            <a:spLocks noGrp="1"/>
-          </p:cNvSpPr>
-          <p:nvPr>
-            <p:ph type="title"/>
-          </p:nvPr>
-        </p:nvSpPr>
-        <p:spPr/>
-        <p:txBody>
-          <a:bodyPr/>
-          <a:lstStyle/>
-          <a:p>
-            <a:r>
-              <a:rPr lang="en-US" dirty="0"/>
-              <a:t>Import a modified course</a:t>
-            </a:r>
-          </a:p>
-        </p:txBody>
-      </p:sp>
-      <p:pic>
-        <p:nvPicPr>
-          <p:cNvPr id="4" name="Content Placeholder 3"/>
-          <p:cNvPicPr>
-            <a:picLocks noGrp="1" noChangeAspect="1"/>
-          </p:cNvPicPr>
-          <p:nvPr>
-            <p:ph idx="1"/>
-          </p:nvPr>
-        </p:nvPicPr>
-        <p:blipFill>
-          <a:blip r:embed="rId2"/>
-          <a:stretch>
-            <a:fillRect/>
-          </a:stretch>
-        </p:blipFill>
-        <p:spPr>
-          <a:xfrm>
-            <a:off x="628650" y="1970480"/>
-            <a:ext cx="5791863" cy="4351338"/>
-          </a:xfrm>
-          <a:prstGeom prst="rect">
-            <a:avLst/>
-          </a:prstGeom>
-        </p:spPr>
-      </p:pic>
-      <p:pic>
-        <p:nvPicPr>
-          <p:cNvPr id="5" name="Picture 4"/>
-          <p:cNvPicPr>
-            <a:picLocks noChangeAspect="1"/>
-          </p:cNvPicPr>
-          <p:nvPr/>
-        </p:nvPicPr>
-        <p:blipFill rotWithShape="1">
-          <a:blip r:embed="rId3"/>
-          <a:srcRect t="82250" b="11941"/>
-          <a:stretch/>
-        </p:blipFill>
-        <p:spPr>
-          <a:xfrm>
-            <a:off x="6644133" y="3268301"/>
-            <a:ext cx="2228266" cy="362140"/>
-          </a:xfrm>
-          <a:prstGeom prst="rect">
-            <a:avLst/>
-          </a:prstGeom>
-        </p:spPr>
-      </p:pic>
-      <p:sp>
-        <p:nvSpPr>
-          <p:cNvPr id="6" name="Left Arrow 5"/>
-          <p:cNvSpPr/>
-          <p:nvPr/>
-        </p:nvSpPr>
-        <p:spPr>
-          <a:xfrm rot="18843716">
-            <a:off x="4867398" y="3731824"/>
-            <a:ext cx="1692998" cy="950613"/>
-          </a:xfrm>
-          <a:prstGeom prst="leftArrow">
-            <a:avLst/>
-          </a:prstGeom>
-        </p:spPr>
-        <p:style>
-          <a:lnRef idx="2">
-            <a:schemeClr val="accent1">
-              <a:shade val="50000"/>
-            </a:schemeClr>
-          </a:lnRef>
-          <a:fillRef idx="1">
-            <a:schemeClr val="accent1"/>
-          </a:fillRef>
-          <a:effectRef idx="0">
-            <a:schemeClr val="accent1"/>
-          </a:effectRef>
-          <a:fontRef idx="minor">
-            <a:schemeClr val="lt1"/>
-          </a:fontRef>
-        </p:style>
-        <p:txBody>
-          <a:bodyPr rtlCol="0" anchor="ctr"/>
-          <a:lstStyle/>
-          <a:p>
-            <a:pPr algn="ctr"/>
-            <a:endParaRPr lang="en-US"/>
-          </a:p>
-        </p:txBody>
-      </p:sp>
-    </p:spTree>
-    <p:extLst>
-      <p:ext uri="{BB962C8B-B14F-4D97-AF65-F5344CB8AC3E}">
-        <p14:creationId xmlns:p14="http://schemas.microsoft.com/office/powerpoint/2010/main" val="3152101898"/>
-      </p:ext>
-    </p:extLst>
-  </p:cSld>
-  <p:clrMapOvr>
-    <a:masterClrMapping/>
-  </p:clrMapOvr>
 </p:sld>
 </file>
 
@@ -16127,6 +16133,147 @@
 </file>
 
 <file path=ppt/slides/slide40.xml><?xml version="1.0" encoding="utf-8"?>
+<p:sld xmlns:a="http://schemas.openxmlformats.org/drawingml/2006/main" xmlns:r="http://schemas.openxmlformats.org/officeDocument/2006/relationships" xmlns:p="http://schemas.openxmlformats.org/presentationml/2006/main">
+  <p:cSld>
+    <p:spTree>
+      <p:nvGrpSpPr>
+        <p:cNvPr id="1" name=""/>
+        <p:cNvGrpSpPr/>
+        <p:nvPr/>
+      </p:nvGrpSpPr>
+      <p:grpSpPr>
+        <a:xfrm>
+          <a:off x="0" y="0"/>
+          <a:ext cx="0" cy="0"/>
+          <a:chOff x="0" y="0"/>
+          <a:chExt cx="0" cy="0"/>
+        </a:xfrm>
+      </p:grpSpPr>
+      <p:sp>
+        <p:nvSpPr>
+          <p:cNvPr id="2" name="Title 1"/>
+          <p:cNvSpPr>
+            <a:spLocks noGrp="1"/>
+          </p:cNvSpPr>
+          <p:nvPr>
+            <p:ph type="title"/>
+          </p:nvPr>
+        </p:nvSpPr>
+        <p:spPr/>
+        <p:txBody>
+          <a:bodyPr/>
+          <a:lstStyle/>
+          <a:p>
+            <a:r>
+              <a:rPr lang="en-US" dirty="0"/>
+              <a:t>Import a modified course</a:t>
+            </a:r>
+          </a:p>
+        </p:txBody>
+      </p:sp>
+      <p:pic>
+        <p:nvPicPr>
+          <p:cNvPr id="4" name="Content Placeholder 3"/>
+          <p:cNvPicPr>
+            <a:picLocks noGrp="1" noChangeAspect="1"/>
+          </p:cNvPicPr>
+          <p:nvPr>
+            <p:ph idx="1"/>
+          </p:nvPr>
+        </p:nvPicPr>
+        <p:blipFill>
+          <a:blip r:embed="rId2"/>
+          <a:stretch>
+            <a:fillRect/>
+          </a:stretch>
+        </p:blipFill>
+        <p:spPr>
+          <a:xfrm>
+            <a:off x="628650" y="1970480"/>
+            <a:ext cx="5791863" cy="4351338"/>
+          </a:xfrm>
+          <a:prstGeom prst="rect">
+            <a:avLst/>
+          </a:prstGeom>
+        </p:spPr>
+      </p:pic>
+      <p:pic>
+        <p:nvPicPr>
+          <p:cNvPr id="5" name="Picture 4"/>
+          <p:cNvPicPr>
+            <a:picLocks noChangeAspect="1"/>
+          </p:cNvPicPr>
+          <p:nvPr/>
+        </p:nvPicPr>
+        <p:blipFill rotWithShape="1">
+          <a:blip r:embed="rId3"/>
+          <a:srcRect t="82250" b="11941"/>
+          <a:stretch/>
+        </p:blipFill>
+        <p:spPr>
+          <a:xfrm>
+            <a:off x="6644133" y="3268301"/>
+            <a:ext cx="2228266" cy="362140"/>
+          </a:xfrm>
+          <a:prstGeom prst="rect">
+            <a:avLst/>
+          </a:prstGeom>
+        </p:spPr>
+      </p:pic>
+      <p:sp>
+        <p:nvSpPr>
+          <p:cNvPr id="6" name="Left Arrow 5"/>
+          <p:cNvSpPr/>
+          <p:nvPr/>
+        </p:nvSpPr>
+        <p:spPr>
+          <a:xfrm rot="18843716">
+            <a:off x="4867398" y="3731824"/>
+            <a:ext cx="1692998" cy="950613"/>
+          </a:xfrm>
+          <a:prstGeom prst="leftArrow">
+            <a:avLst/>
+          </a:prstGeom>
+        </p:spPr>
+        <p:style>
+          <a:lnRef idx="2">
+            <a:schemeClr val="accent1">
+              <a:shade val="50000"/>
+            </a:schemeClr>
+          </a:lnRef>
+          <a:fillRef idx="1">
+            <a:schemeClr val="accent1"/>
+          </a:fillRef>
+          <a:effectRef idx="0">
+            <a:schemeClr val="accent1"/>
+          </a:effectRef>
+          <a:fontRef idx="minor">
+            <a:schemeClr val="lt1"/>
+          </a:fontRef>
+        </p:style>
+        <p:txBody>
+          <a:bodyPr rtlCol="0" anchor="ctr"/>
+          <a:lstStyle/>
+          <a:p>
+            <a:pPr algn="ctr"/>
+            <a:endParaRPr lang="en-US"/>
+          </a:p>
+        </p:txBody>
+      </p:sp>
+    </p:spTree>
+    <p:extLst>
+      <p:ext uri="{BB962C8B-B14F-4D97-AF65-F5344CB8AC3E}">
+        <p14:creationId xmlns:p14="http://schemas.microsoft.com/office/powerpoint/2010/main" val="3152101898"/>
+      </p:ext>
+    </p:extLst>
+  </p:cSld>
+  <p:clrMapOvr>
+    <a:masterClrMapping/>
+  </p:clrMapOvr>
+</p:sld>
+</file>
+
+<file path=ppt/slides/slide41.xml><?xml version="1.0" encoding="utf-8"?>
 <p:sld xmlns:a="http://schemas.openxmlformats.org/drawingml/2006/main" xmlns:r="http://schemas.openxmlformats.org/officeDocument/2006/relationships" xmlns:p="http://schemas.openxmlformats.org/presentationml/2006/main">
   <p:cSld>
     <p:spTree>
